--- a/新建 Microsoft PowerPoint 演示文稿.pptx
+++ b/新建 Microsoft PowerPoint 演示文稿.pptx
@@ -7,6 +7,7 @@
   <p:sldIdLst>
     <p:sldId id="256" r:id="rId2"/>
     <p:sldId id="257" r:id="rId3"/>
+    <p:sldId id="258" r:id="rId4"/>
   </p:sldIdLst>
   <p:sldSz cx="12192000" cy="6858000"/>
   <p:notesSz cx="6858000" cy="9144000"/>
@@ -105,6 +106,11 @@
       </a:defRPr>
     </a:lvl9pPr>
   </p:defaultTextStyle>
+  <p:extLst>
+    <p:ext uri="{EFAFB233-063F-42B5-8137-9DF3F51BA10A}">
+      <p15:sldGuideLst xmlns:p15="http://schemas.microsoft.com/office/powerpoint/2012/main"/>
+    </p:ext>
+  </p:extLst>
 </p:presentation>
 </file>
 
@@ -255,7 +261,7 @@
           <a:p>
             <a:fld id="{CE195979-9487-432D-BA44-95CDF01B0A6C}" type="datetimeFigureOut">
               <a:rPr lang="zh-CN" altLang="en-US" smtClean="0"/>
-              <a:t>2024/3/4</a:t>
+              <a:t>2024/3/11</a:t>
             </a:fld>
             <a:endParaRPr lang="zh-CN" altLang="en-US"/>
           </a:p>
@@ -453,7 +459,7 @@
           <a:p>
             <a:fld id="{CE195979-9487-432D-BA44-95CDF01B0A6C}" type="datetimeFigureOut">
               <a:rPr lang="zh-CN" altLang="en-US" smtClean="0"/>
-              <a:t>2024/3/4</a:t>
+              <a:t>2024/3/11</a:t>
             </a:fld>
             <a:endParaRPr lang="zh-CN" altLang="en-US"/>
           </a:p>
@@ -661,7 +667,7 @@
           <a:p>
             <a:fld id="{CE195979-9487-432D-BA44-95CDF01B0A6C}" type="datetimeFigureOut">
               <a:rPr lang="zh-CN" altLang="en-US" smtClean="0"/>
-              <a:t>2024/3/4</a:t>
+              <a:t>2024/3/11</a:t>
             </a:fld>
             <a:endParaRPr lang="zh-CN" altLang="en-US"/>
           </a:p>
@@ -859,7 +865,7 @@
           <a:p>
             <a:fld id="{CE195979-9487-432D-BA44-95CDF01B0A6C}" type="datetimeFigureOut">
               <a:rPr lang="zh-CN" altLang="en-US" smtClean="0"/>
-              <a:t>2024/3/4</a:t>
+              <a:t>2024/3/11</a:t>
             </a:fld>
             <a:endParaRPr lang="zh-CN" altLang="en-US"/>
           </a:p>
@@ -1134,7 +1140,7 @@
           <a:p>
             <a:fld id="{CE195979-9487-432D-BA44-95CDF01B0A6C}" type="datetimeFigureOut">
               <a:rPr lang="zh-CN" altLang="en-US" smtClean="0"/>
-              <a:t>2024/3/4</a:t>
+              <a:t>2024/3/11</a:t>
             </a:fld>
             <a:endParaRPr lang="zh-CN" altLang="en-US"/>
           </a:p>
@@ -1399,7 +1405,7 @@
           <a:p>
             <a:fld id="{CE195979-9487-432D-BA44-95CDF01B0A6C}" type="datetimeFigureOut">
               <a:rPr lang="zh-CN" altLang="en-US" smtClean="0"/>
-              <a:t>2024/3/4</a:t>
+              <a:t>2024/3/11</a:t>
             </a:fld>
             <a:endParaRPr lang="zh-CN" altLang="en-US"/>
           </a:p>
@@ -1811,7 +1817,7 @@
           <a:p>
             <a:fld id="{CE195979-9487-432D-BA44-95CDF01B0A6C}" type="datetimeFigureOut">
               <a:rPr lang="zh-CN" altLang="en-US" smtClean="0"/>
-              <a:t>2024/3/4</a:t>
+              <a:t>2024/3/11</a:t>
             </a:fld>
             <a:endParaRPr lang="zh-CN" altLang="en-US"/>
           </a:p>
@@ -1952,7 +1958,7 @@
           <a:p>
             <a:fld id="{CE195979-9487-432D-BA44-95CDF01B0A6C}" type="datetimeFigureOut">
               <a:rPr lang="zh-CN" altLang="en-US" smtClean="0"/>
-              <a:t>2024/3/4</a:t>
+              <a:t>2024/3/11</a:t>
             </a:fld>
             <a:endParaRPr lang="zh-CN" altLang="en-US"/>
           </a:p>
@@ -2065,7 +2071,7 @@
           <a:p>
             <a:fld id="{CE195979-9487-432D-BA44-95CDF01B0A6C}" type="datetimeFigureOut">
               <a:rPr lang="zh-CN" altLang="en-US" smtClean="0"/>
-              <a:t>2024/3/4</a:t>
+              <a:t>2024/3/11</a:t>
             </a:fld>
             <a:endParaRPr lang="zh-CN" altLang="en-US"/>
           </a:p>
@@ -2376,7 +2382,7 @@
           <a:p>
             <a:fld id="{CE195979-9487-432D-BA44-95CDF01B0A6C}" type="datetimeFigureOut">
               <a:rPr lang="zh-CN" altLang="en-US" smtClean="0"/>
-              <a:t>2024/3/4</a:t>
+              <a:t>2024/3/11</a:t>
             </a:fld>
             <a:endParaRPr lang="zh-CN" altLang="en-US"/>
           </a:p>
@@ -2664,7 +2670,7 @@
           <a:p>
             <a:fld id="{CE195979-9487-432D-BA44-95CDF01B0A6C}" type="datetimeFigureOut">
               <a:rPr lang="zh-CN" altLang="en-US" smtClean="0"/>
-              <a:t>2024/3/4</a:t>
+              <a:t>2024/3/11</a:t>
             </a:fld>
             <a:endParaRPr lang="zh-CN" altLang="en-US"/>
           </a:p>
@@ -2905,7 +2911,7 @@
           <a:p>
             <a:fld id="{CE195979-9487-432D-BA44-95CDF01B0A6C}" type="datetimeFigureOut">
               <a:rPr lang="zh-CN" altLang="en-US" smtClean="0"/>
-              <a:t>2024/3/4</a:t>
+              <a:t>2024/3/11</a:t>
             </a:fld>
             <a:endParaRPr lang="zh-CN" altLang="en-US"/>
           </a:p>
@@ -4430,8 +4436,8 @@
           </a:p>
         </p:txBody>
       </p:sp>
-      <mc:AlternateContent xmlns:mc="http://schemas.openxmlformats.org/markup-compatibility/2006">
-        <mc:Choice xmlns:a14="http://schemas.microsoft.com/office/drawing/2010/main" Requires="a14">
+      <mc:AlternateContent xmlns:mc="http://schemas.openxmlformats.org/markup-compatibility/2006" xmlns:a14="http://schemas.microsoft.com/office/drawing/2010/main">
+        <mc:Choice Requires="a14">
           <p:sp>
             <p:nvSpPr>
               <p:cNvPr id="15" name="文本框 14">
@@ -4775,7 +4781,7 @@
             </p:txBody>
           </p:sp>
         </mc:Choice>
-        <mc:Fallback>
+        <mc:Fallback xmlns="">
           <p:sp>
             <p:nvSpPr>
               <p:cNvPr id="15" name="文本框 14">
@@ -4828,8 +4834,8 @@
           </p:sp>
         </mc:Fallback>
       </mc:AlternateContent>
-      <mc:AlternateContent xmlns:mc="http://schemas.openxmlformats.org/markup-compatibility/2006">
-        <mc:Choice xmlns:a14="http://schemas.microsoft.com/office/drawing/2010/main" Requires="a14">
+      <mc:AlternateContent xmlns:mc="http://schemas.openxmlformats.org/markup-compatibility/2006" xmlns:a14="http://schemas.microsoft.com/office/drawing/2010/main">
+        <mc:Choice Requires="a14">
           <p:sp>
             <p:nvSpPr>
               <p:cNvPr id="16" name="文本框 15">
@@ -4968,7 +4974,7 @@
             </p:txBody>
           </p:sp>
         </mc:Choice>
-        <mc:Fallback>
+        <mc:Fallback xmlns="">
           <p:sp>
             <p:nvSpPr>
               <p:cNvPr id="16" name="文本框 15">
@@ -5882,6 +5888,3399 @@
     <p:extLst>
       <p:ext uri="{BB962C8B-B14F-4D97-AF65-F5344CB8AC3E}">
         <p14:creationId xmlns:p14="http://schemas.microsoft.com/office/powerpoint/2010/main" val="123764485"/>
+      </p:ext>
+    </p:extLst>
+  </p:cSld>
+  <p:clrMapOvr>
+    <a:masterClrMapping/>
+  </p:clrMapOvr>
+</p:sld>
+</file>
+
+<file path=ppt/slides/slide3.xml><?xml version="1.0" encoding="utf-8"?>
+<p:sld xmlns:a="http://schemas.openxmlformats.org/drawingml/2006/main" xmlns:r="http://schemas.openxmlformats.org/officeDocument/2006/relationships" xmlns:p="http://schemas.openxmlformats.org/presentationml/2006/main">
+  <p:cSld>
+    <p:spTree>
+      <p:nvGrpSpPr>
+        <p:cNvPr id="1" name=""/>
+        <p:cNvGrpSpPr/>
+        <p:nvPr/>
+      </p:nvGrpSpPr>
+      <p:grpSpPr>
+        <a:xfrm>
+          <a:off x="0" y="0"/>
+          <a:ext cx="0" cy="0"/>
+          <a:chOff x="0" y="0"/>
+          <a:chExt cx="0" cy="0"/>
+        </a:xfrm>
+      </p:grpSpPr>
+      <p:sp>
+        <p:nvSpPr>
+          <p:cNvPr id="5" name="矩形 4">
+            <a:extLst>
+              <a:ext uri="{FF2B5EF4-FFF2-40B4-BE49-F238E27FC236}">
+                <a16:creationId xmlns:a16="http://schemas.microsoft.com/office/drawing/2014/main" id="{E8C735CB-0A15-9BC5-3175-5E90CB1E6DD1}"/>
+              </a:ext>
+            </a:extLst>
+          </p:cNvPr>
+          <p:cNvSpPr/>
+          <p:nvPr/>
+        </p:nvSpPr>
+        <p:spPr>
+          <a:xfrm>
+            <a:off x="2491274" y="2234684"/>
+            <a:ext cx="233265" cy="233265"/>
+          </a:xfrm>
+          <a:prstGeom prst="rect">
+            <a:avLst/>
+          </a:prstGeom>
+          <a:solidFill>
+            <a:schemeClr val="bg1"/>
+          </a:solidFill>
+        </p:spPr>
+        <p:style>
+          <a:lnRef idx="2">
+            <a:schemeClr val="accent1">
+              <a:shade val="15000"/>
+            </a:schemeClr>
+          </a:lnRef>
+          <a:fillRef idx="1">
+            <a:schemeClr val="accent1"/>
+          </a:fillRef>
+          <a:effectRef idx="0">
+            <a:schemeClr val="accent1"/>
+          </a:effectRef>
+          <a:fontRef idx="minor">
+            <a:schemeClr val="lt1"/>
+          </a:fontRef>
+        </p:style>
+        <p:txBody>
+          <a:bodyPr rtlCol="0" anchor="ctr"/>
+          <a:lstStyle/>
+          <a:p>
+            <a:pPr algn="ctr"/>
+            <a:endParaRPr lang="zh-CN" altLang="en-US" dirty="0"/>
+          </a:p>
+        </p:txBody>
+      </p:sp>
+      <p:sp>
+        <p:nvSpPr>
+          <p:cNvPr id="6" name="矩形 5">
+            <a:extLst>
+              <a:ext uri="{FF2B5EF4-FFF2-40B4-BE49-F238E27FC236}">
+                <a16:creationId xmlns:a16="http://schemas.microsoft.com/office/drawing/2014/main" id="{74C82C30-662A-E9F9-F513-7DB0A1240095}"/>
+              </a:ext>
+            </a:extLst>
+          </p:cNvPr>
+          <p:cNvSpPr/>
+          <p:nvPr/>
+        </p:nvSpPr>
+        <p:spPr>
+          <a:xfrm>
+            <a:off x="2491273" y="2467949"/>
+            <a:ext cx="233265" cy="233265"/>
+          </a:xfrm>
+          <a:prstGeom prst="rect">
+            <a:avLst/>
+          </a:prstGeom>
+          <a:solidFill>
+            <a:schemeClr val="bg1"/>
+          </a:solidFill>
+        </p:spPr>
+        <p:style>
+          <a:lnRef idx="2">
+            <a:schemeClr val="accent1">
+              <a:shade val="15000"/>
+            </a:schemeClr>
+          </a:lnRef>
+          <a:fillRef idx="1">
+            <a:schemeClr val="accent1"/>
+          </a:fillRef>
+          <a:effectRef idx="0">
+            <a:schemeClr val="accent1"/>
+          </a:effectRef>
+          <a:fontRef idx="minor">
+            <a:schemeClr val="lt1"/>
+          </a:fontRef>
+        </p:style>
+        <p:txBody>
+          <a:bodyPr rtlCol="0" anchor="ctr"/>
+          <a:lstStyle/>
+          <a:p>
+            <a:pPr algn="ctr"/>
+            <a:endParaRPr lang="zh-CN" altLang="en-US"/>
+          </a:p>
+        </p:txBody>
+      </p:sp>
+      <p:sp>
+        <p:nvSpPr>
+          <p:cNvPr id="7" name="矩形 6">
+            <a:extLst>
+              <a:ext uri="{FF2B5EF4-FFF2-40B4-BE49-F238E27FC236}">
+                <a16:creationId xmlns:a16="http://schemas.microsoft.com/office/drawing/2014/main" id="{88E7F23D-0C84-4AB2-D868-C113EAF6105F}"/>
+              </a:ext>
+            </a:extLst>
+          </p:cNvPr>
+          <p:cNvSpPr/>
+          <p:nvPr/>
+        </p:nvSpPr>
+        <p:spPr>
+          <a:xfrm>
+            <a:off x="2491272" y="2701214"/>
+            <a:ext cx="233265" cy="233265"/>
+          </a:xfrm>
+          <a:prstGeom prst="rect">
+            <a:avLst/>
+          </a:prstGeom>
+          <a:solidFill>
+            <a:schemeClr val="bg1"/>
+          </a:solidFill>
+        </p:spPr>
+        <p:style>
+          <a:lnRef idx="2">
+            <a:schemeClr val="accent1">
+              <a:shade val="15000"/>
+            </a:schemeClr>
+          </a:lnRef>
+          <a:fillRef idx="1">
+            <a:schemeClr val="accent1"/>
+          </a:fillRef>
+          <a:effectRef idx="0">
+            <a:schemeClr val="accent1"/>
+          </a:effectRef>
+          <a:fontRef idx="minor">
+            <a:schemeClr val="lt1"/>
+          </a:fontRef>
+        </p:style>
+        <p:txBody>
+          <a:bodyPr rtlCol="0" anchor="ctr"/>
+          <a:lstStyle/>
+          <a:p>
+            <a:pPr algn="ctr"/>
+            <a:endParaRPr lang="zh-CN" altLang="en-US"/>
+          </a:p>
+        </p:txBody>
+      </p:sp>
+      <p:sp>
+        <p:nvSpPr>
+          <p:cNvPr id="8" name="矩形 7">
+            <a:extLst>
+              <a:ext uri="{FF2B5EF4-FFF2-40B4-BE49-F238E27FC236}">
+                <a16:creationId xmlns:a16="http://schemas.microsoft.com/office/drawing/2014/main" id="{3DC714FF-B8DC-D340-2BFE-66EF6AC15DBF}"/>
+              </a:ext>
+            </a:extLst>
+          </p:cNvPr>
+          <p:cNvSpPr/>
+          <p:nvPr/>
+        </p:nvSpPr>
+        <p:spPr>
+          <a:xfrm>
+            <a:off x="2491272" y="2934479"/>
+            <a:ext cx="233265" cy="233265"/>
+          </a:xfrm>
+          <a:prstGeom prst="rect">
+            <a:avLst/>
+          </a:prstGeom>
+          <a:solidFill>
+            <a:schemeClr val="bg1"/>
+          </a:solidFill>
+        </p:spPr>
+        <p:style>
+          <a:lnRef idx="2">
+            <a:schemeClr val="accent1">
+              <a:shade val="15000"/>
+            </a:schemeClr>
+          </a:lnRef>
+          <a:fillRef idx="1">
+            <a:schemeClr val="accent1"/>
+          </a:fillRef>
+          <a:effectRef idx="0">
+            <a:schemeClr val="accent1"/>
+          </a:effectRef>
+          <a:fontRef idx="minor">
+            <a:schemeClr val="lt1"/>
+          </a:fontRef>
+        </p:style>
+        <p:txBody>
+          <a:bodyPr rtlCol="0" anchor="ctr"/>
+          <a:lstStyle/>
+          <a:p>
+            <a:pPr algn="ctr"/>
+            <a:endParaRPr lang="zh-CN" altLang="en-US"/>
+          </a:p>
+        </p:txBody>
+      </p:sp>
+      <p:sp>
+        <p:nvSpPr>
+          <p:cNvPr id="9" name="矩形 8">
+            <a:extLst>
+              <a:ext uri="{FF2B5EF4-FFF2-40B4-BE49-F238E27FC236}">
+                <a16:creationId xmlns:a16="http://schemas.microsoft.com/office/drawing/2014/main" id="{A3EB47EC-E33E-40F1-4ABC-85C1186153F3}"/>
+              </a:ext>
+            </a:extLst>
+          </p:cNvPr>
+          <p:cNvSpPr/>
+          <p:nvPr/>
+        </p:nvSpPr>
+        <p:spPr>
+          <a:xfrm>
+            <a:off x="2491271" y="3167744"/>
+            <a:ext cx="233265" cy="233265"/>
+          </a:xfrm>
+          <a:prstGeom prst="rect">
+            <a:avLst/>
+          </a:prstGeom>
+          <a:solidFill>
+            <a:schemeClr val="bg1"/>
+          </a:solidFill>
+        </p:spPr>
+        <p:style>
+          <a:lnRef idx="2">
+            <a:schemeClr val="accent1">
+              <a:shade val="15000"/>
+            </a:schemeClr>
+          </a:lnRef>
+          <a:fillRef idx="1">
+            <a:schemeClr val="accent1"/>
+          </a:fillRef>
+          <a:effectRef idx="0">
+            <a:schemeClr val="accent1"/>
+          </a:effectRef>
+          <a:fontRef idx="minor">
+            <a:schemeClr val="lt1"/>
+          </a:fontRef>
+        </p:style>
+        <p:txBody>
+          <a:bodyPr rtlCol="0" anchor="ctr"/>
+          <a:lstStyle/>
+          <a:p>
+            <a:pPr algn="ctr"/>
+            <a:endParaRPr lang="zh-CN" altLang="en-US"/>
+          </a:p>
+        </p:txBody>
+      </p:sp>
+      <p:sp>
+        <p:nvSpPr>
+          <p:cNvPr id="10" name="矩形 9">
+            <a:extLst>
+              <a:ext uri="{FF2B5EF4-FFF2-40B4-BE49-F238E27FC236}">
+                <a16:creationId xmlns:a16="http://schemas.microsoft.com/office/drawing/2014/main" id="{112D4905-ABDA-4F04-51FA-F42CDAF8DEDA}"/>
+              </a:ext>
+            </a:extLst>
+          </p:cNvPr>
+          <p:cNvSpPr/>
+          <p:nvPr/>
+        </p:nvSpPr>
+        <p:spPr>
+          <a:xfrm>
+            <a:off x="2491270" y="3401009"/>
+            <a:ext cx="233265" cy="233265"/>
+          </a:xfrm>
+          <a:prstGeom prst="rect">
+            <a:avLst/>
+          </a:prstGeom>
+          <a:solidFill>
+            <a:schemeClr val="bg1"/>
+          </a:solidFill>
+        </p:spPr>
+        <p:style>
+          <a:lnRef idx="2">
+            <a:schemeClr val="accent1">
+              <a:shade val="15000"/>
+            </a:schemeClr>
+          </a:lnRef>
+          <a:fillRef idx="1">
+            <a:schemeClr val="accent1"/>
+          </a:fillRef>
+          <a:effectRef idx="0">
+            <a:schemeClr val="accent1"/>
+          </a:effectRef>
+          <a:fontRef idx="minor">
+            <a:schemeClr val="lt1"/>
+          </a:fontRef>
+        </p:style>
+        <p:txBody>
+          <a:bodyPr rtlCol="0" anchor="ctr"/>
+          <a:lstStyle/>
+          <a:p>
+            <a:pPr algn="ctr"/>
+            <a:endParaRPr lang="zh-CN" altLang="en-US"/>
+          </a:p>
+        </p:txBody>
+      </p:sp>
+      <p:sp>
+        <p:nvSpPr>
+          <p:cNvPr id="14" name="矩形 13">
+            <a:extLst>
+              <a:ext uri="{FF2B5EF4-FFF2-40B4-BE49-F238E27FC236}">
+                <a16:creationId xmlns:a16="http://schemas.microsoft.com/office/drawing/2014/main" id="{CB6BC1A7-0DA4-A781-5608-615774DCDC64}"/>
+              </a:ext>
+            </a:extLst>
+          </p:cNvPr>
+          <p:cNvSpPr/>
+          <p:nvPr/>
+        </p:nvSpPr>
+        <p:spPr>
+          <a:xfrm>
+            <a:off x="2491270" y="3634274"/>
+            <a:ext cx="233265" cy="233265"/>
+          </a:xfrm>
+          <a:prstGeom prst="rect">
+            <a:avLst/>
+          </a:prstGeom>
+          <a:solidFill>
+            <a:schemeClr val="bg1"/>
+          </a:solidFill>
+        </p:spPr>
+        <p:style>
+          <a:lnRef idx="2">
+            <a:schemeClr val="accent1">
+              <a:shade val="15000"/>
+            </a:schemeClr>
+          </a:lnRef>
+          <a:fillRef idx="1">
+            <a:schemeClr val="accent1"/>
+          </a:fillRef>
+          <a:effectRef idx="0">
+            <a:schemeClr val="accent1"/>
+          </a:effectRef>
+          <a:fontRef idx="minor">
+            <a:schemeClr val="lt1"/>
+          </a:fontRef>
+        </p:style>
+        <p:txBody>
+          <a:bodyPr rtlCol="0" anchor="ctr"/>
+          <a:lstStyle/>
+          <a:p>
+            <a:pPr algn="ctr"/>
+            <a:endParaRPr lang="zh-CN" altLang="en-US"/>
+          </a:p>
+        </p:txBody>
+      </p:sp>
+      <p:sp>
+        <p:nvSpPr>
+          <p:cNvPr id="15" name="矩形 14">
+            <a:extLst>
+              <a:ext uri="{FF2B5EF4-FFF2-40B4-BE49-F238E27FC236}">
+                <a16:creationId xmlns:a16="http://schemas.microsoft.com/office/drawing/2014/main" id="{9E17F6FE-2160-476D-1ACF-FF8078273676}"/>
+              </a:ext>
+            </a:extLst>
+          </p:cNvPr>
+          <p:cNvSpPr/>
+          <p:nvPr/>
+        </p:nvSpPr>
+        <p:spPr>
+          <a:xfrm>
+            <a:off x="2491269" y="3867539"/>
+            <a:ext cx="233265" cy="233265"/>
+          </a:xfrm>
+          <a:prstGeom prst="rect">
+            <a:avLst/>
+          </a:prstGeom>
+          <a:solidFill>
+            <a:schemeClr val="bg1"/>
+          </a:solidFill>
+        </p:spPr>
+        <p:style>
+          <a:lnRef idx="2">
+            <a:schemeClr val="accent1">
+              <a:shade val="15000"/>
+            </a:schemeClr>
+          </a:lnRef>
+          <a:fillRef idx="1">
+            <a:schemeClr val="accent1"/>
+          </a:fillRef>
+          <a:effectRef idx="0">
+            <a:schemeClr val="accent1"/>
+          </a:effectRef>
+          <a:fontRef idx="minor">
+            <a:schemeClr val="lt1"/>
+          </a:fontRef>
+        </p:style>
+        <p:txBody>
+          <a:bodyPr rtlCol="0" anchor="ctr"/>
+          <a:lstStyle/>
+          <a:p>
+            <a:pPr algn="ctr"/>
+            <a:endParaRPr lang="zh-CN" altLang="en-US"/>
+          </a:p>
+        </p:txBody>
+      </p:sp>
+      <p:sp>
+        <p:nvSpPr>
+          <p:cNvPr id="16" name="矩形 15">
+            <a:extLst>
+              <a:ext uri="{FF2B5EF4-FFF2-40B4-BE49-F238E27FC236}">
+                <a16:creationId xmlns:a16="http://schemas.microsoft.com/office/drawing/2014/main" id="{F605E660-B4C4-E254-482A-EDBE5BE7673F}"/>
+              </a:ext>
+            </a:extLst>
+          </p:cNvPr>
+          <p:cNvSpPr/>
+          <p:nvPr/>
+        </p:nvSpPr>
+        <p:spPr>
+          <a:xfrm>
+            <a:off x="2491266" y="4520679"/>
+            <a:ext cx="233265" cy="233265"/>
+          </a:xfrm>
+          <a:prstGeom prst="rect">
+            <a:avLst/>
+          </a:prstGeom>
+          <a:solidFill>
+            <a:schemeClr val="bg1"/>
+          </a:solidFill>
+        </p:spPr>
+        <p:style>
+          <a:lnRef idx="2">
+            <a:schemeClr val="accent1">
+              <a:shade val="15000"/>
+            </a:schemeClr>
+          </a:lnRef>
+          <a:fillRef idx="1">
+            <a:schemeClr val="accent1"/>
+          </a:fillRef>
+          <a:effectRef idx="0">
+            <a:schemeClr val="accent1"/>
+          </a:effectRef>
+          <a:fontRef idx="minor">
+            <a:schemeClr val="lt1"/>
+          </a:fontRef>
+        </p:style>
+        <p:txBody>
+          <a:bodyPr rtlCol="0" anchor="ctr"/>
+          <a:lstStyle/>
+          <a:p>
+            <a:pPr algn="ctr"/>
+            <a:endParaRPr lang="zh-CN" altLang="en-US"/>
+          </a:p>
+        </p:txBody>
+      </p:sp>
+      <p:sp>
+        <p:nvSpPr>
+          <p:cNvPr id="17" name="文本框 16">
+            <a:extLst>
+              <a:ext uri="{FF2B5EF4-FFF2-40B4-BE49-F238E27FC236}">
+                <a16:creationId xmlns:a16="http://schemas.microsoft.com/office/drawing/2014/main" id="{1DE0EE41-C2BA-599D-25C6-EBC9800573A4}"/>
+              </a:ext>
+            </a:extLst>
+          </p:cNvPr>
+          <p:cNvSpPr txBox="1"/>
+          <p:nvPr/>
+        </p:nvSpPr>
+        <p:spPr>
+          <a:xfrm>
+            <a:off x="2377067" y="4100804"/>
+            <a:ext cx="461665" cy="466530"/>
+          </a:xfrm>
+          <a:prstGeom prst="rect">
+            <a:avLst/>
+          </a:prstGeom>
+          <a:noFill/>
+        </p:spPr>
+        <p:txBody>
+          <a:bodyPr vert="eaVert" wrap="square" rtlCol="0">
+            <a:spAutoFit/>
+          </a:bodyPr>
+          <a:lstStyle/>
+          <a:p>
+            <a:r>
+              <a:rPr lang="en-US" altLang="zh-CN" dirty="0"/>
+              <a:t>……</a:t>
+            </a:r>
+            <a:endParaRPr lang="zh-CN" altLang="en-US" dirty="0"/>
+          </a:p>
+        </p:txBody>
+      </p:sp>
+      <p:sp>
+        <p:nvSpPr>
+          <p:cNvPr id="19" name="文本框 18">
+            <a:extLst>
+              <a:ext uri="{FF2B5EF4-FFF2-40B4-BE49-F238E27FC236}">
+                <a16:creationId xmlns:a16="http://schemas.microsoft.com/office/drawing/2014/main" id="{1C626331-6D4E-41D8-98B6-2FEE42ABC0D0}"/>
+              </a:ext>
+            </a:extLst>
+          </p:cNvPr>
+          <p:cNvSpPr txBox="1"/>
+          <p:nvPr/>
+        </p:nvSpPr>
+        <p:spPr>
+          <a:xfrm>
+            <a:off x="2474936" y="2234684"/>
+            <a:ext cx="265923" cy="261610"/>
+          </a:xfrm>
+          <a:prstGeom prst="rect">
+            <a:avLst/>
+          </a:prstGeom>
+          <a:noFill/>
+        </p:spPr>
+        <p:txBody>
+          <a:bodyPr wrap="square" rtlCol="0">
+            <a:spAutoFit/>
+          </a:bodyPr>
+          <a:lstStyle/>
+          <a:p>
+            <a:r>
+              <a:rPr lang="en-US" altLang="zh-CN" sz="1100" dirty="0"/>
+              <a:t>0</a:t>
+            </a:r>
+            <a:endParaRPr lang="zh-CN" altLang="en-US" sz="1100" dirty="0"/>
+          </a:p>
+        </p:txBody>
+      </p:sp>
+      <p:sp>
+        <p:nvSpPr>
+          <p:cNvPr id="26" name="文本框 25">
+            <a:extLst>
+              <a:ext uri="{FF2B5EF4-FFF2-40B4-BE49-F238E27FC236}">
+                <a16:creationId xmlns:a16="http://schemas.microsoft.com/office/drawing/2014/main" id="{5A0812F0-CD03-592A-CB68-023B1A0CB8B9}"/>
+              </a:ext>
+            </a:extLst>
+          </p:cNvPr>
+          <p:cNvSpPr txBox="1"/>
+          <p:nvPr/>
+        </p:nvSpPr>
+        <p:spPr>
+          <a:xfrm>
+            <a:off x="2479495" y="2472263"/>
+            <a:ext cx="265923" cy="261610"/>
+          </a:xfrm>
+          <a:prstGeom prst="rect">
+            <a:avLst/>
+          </a:prstGeom>
+          <a:noFill/>
+        </p:spPr>
+        <p:txBody>
+          <a:bodyPr wrap="square" rtlCol="0">
+            <a:spAutoFit/>
+          </a:bodyPr>
+          <a:lstStyle/>
+          <a:p>
+            <a:r>
+              <a:rPr lang="en-US" altLang="zh-CN" sz="1100" dirty="0"/>
+              <a:t>0</a:t>
+            </a:r>
+            <a:endParaRPr lang="zh-CN" altLang="en-US" sz="1100" dirty="0"/>
+          </a:p>
+        </p:txBody>
+      </p:sp>
+      <p:sp>
+        <p:nvSpPr>
+          <p:cNvPr id="27" name="文本框 26">
+            <a:extLst>
+              <a:ext uri="{FF2B5EF4-FFF2-40B4-BE49-F238E27FC236}">
+                <a16:creationId xmlns:a16="http://schemas.microsoft.com/office/drawing/2014/main" id="{C94D01CC-4CAD-0CF5-C0D5-BE1F3BB37536}"/>
+              </a:ext>
+            </a:extLst>
+          </p:cNvPr>
+          <p:cNvSpPr txBox="1"/>
+          <p:nvPr/>
+        </p:nvSpPr>
+        <p:spPr>
+          <a:xfrm>
+            <a:off x="2479495" y="2696197"/>
+            <a:ext cx="265923" cy="261610"/>
+          </a:xfrm>
+          <a:prstGeom prst="rect">
+            <a:avLst/>
+          </a:prstGeom>
+          <a:noFill/>
+        </p:spPr>
+        <p:txBody>
+          <a:bodyPr wrap="square" rtlCol="0">
+            <a:spAutoFit/>
+          </a:bodyPr>
+          <a:lstStyle/>
+          <a:p>
+            <a:r>
+              <a:rPr lang="en-US" altLang="zh-CN" sz="1100" dirty="0"/>
+              <a:t>0</a:t>
+            </a:r>
+            <a:endParaRPr lang="zh-CN" altLang="en-US" sz="1100" dirty="0"/>
+          </a:p>
+        </p:txBody>
+      </p:sp>
+      <p:sp>
+        <p:nvSpPr>
+          <p:cNvPr id="28" name="文本框 27">
+            <a:extLst>
+              <a:ext uri="{FF2B5EF4-FFF2-40B4-BE49-F238E27FC236}">
+                <a16:creationId xmlns:a16="http://schemas.microsoft.com/office/drawing/2014/main" id="{A78228FD-0A74-9DCA-A892-D91A38316EFB}"/>
+              </a:ext>
+            </a:extLst>
+          </p:cNvPr>
+          <p:cNvSpPr txBox="1"/>
+          <p:nvPr/>
+        </p:nvSpPr>
+        <p:spPr>
+          <a:xfrm>
+            <a:off x="2479495" y="2938793"/>
+            <a:ext cx="265923" cy="261610"/>
+          </a:xfrm>
+          <a:prstGeom prst="rect">
+            <a:avLst/>
+          </a:prstGeom>
+          <a:noFill/>
+        </p:spPr>
+        <p:txBody>
+          <a:bodyPr wrap="square" rtlCol="0">
+            <a:spAutoFit/>
+          </a:bodyPr>
+          <a:lstStyle/>
+          <a:p>
+            <a:r>
+              <a:rPr lang="en-US" altLang="zh-CN" sz="1100" dirty="0"/>
+              <a:t>0</a:t>
+            </a:r>
+            <a:endParaRPr lang="zh-CN" altLang="en-US" sz="1100" dirty="0"/>
+          </a:p>
+        </p:txBody>
+      </p:sp>
+      <p:sp>
+        <p:nvSpPr>
+          <p:cNvPr id="29" name="文本框 28">
+            <a:extLst>
+              <a:ext uri="{FF2B5EF4-FFF2-40B4-BE49-F238E27FC236}">
+                <a16:creationId xmlns:a16="http://schemas.microsoft.com/office/drawing/2014/main" id="{C3C46484-8CF8-CEC4-E491-35A80E256AE3}"/>
+              </a:ext>
+            </a:extLst>
+          </p:cNvPr>
+          <p:cNvSpPr txBox="1"/>
+          <p:nvPr/>
+        </p:nvSpPr>
+        <p:spPr>
+          <a:xfrm>
+            <a:off x="2484054" y="3176152"/>
+            <a:ext cx="265923" cy="261610"/>
+          </a:xfrm>
+          <a:prstGeom prst="rect">
+            <a:avLst/>
+          </a:prstGeom>
+          <a:noFill/>
+        </p:spPr>
+        <p:txBody>
+          <a:bodyPr wrap="square" rtlCol="0">
+            <a:spAutoFit/>
+          </a:bodyPr>
+          <a:lstStyle/>
+          <a:p>
+            <a:r>
+              <a:rPr lang="en-US" altLang="zh-CN" sz="1100" dirty="0"/>
+              <a:t>0</a:t>
+            </a:r>
+            <a:endParaRPr lang="zh-CN" altLang="en-US" sz="1100" dirty="0"/>
+          </a:p>
+        </p:txBody>
+      </p:sp>
+      <p:sp>
+        <p:nvSpPr>
+          <p:cNvPr id="30" name="文本框 29">
+            <a:extLst>
+              <a:ext uri="{FF2B5EF4-FFF2-40B4-BE49-F238E27FC236}">
+                <a16:creationId xmlns:a16="http://schemas.microsoft.com/office/drawing/2014/main" id="{AB72AAB5-413D-5D6B-4702-EE76B330D5D4}"/>
+              </a:ext>
+            </a:extLst>
+          </p:cNvPr>
+          <p:cNvSpPr txBox="1"/>
+          <p:nvPr/>
+        </p:nvSpPr>
+        <p:spPr>
+          <a:xfrm>
+            <a:off x="2479495" y="3414038"/>
+            <a:ext cx="265923" cy="261610"/>
+          </a:xfrm>
+          <a:prstGeom prst="rect">
+            <a:avLst/>
+          </a:prstGeom>
+          <a:noFill/>
+        </p:spPr>
+        <p:txBody>
+          <a:bodyPr wrap="square" rtlCol="0">
+            <a:spAutoFit/>
+          </a:bodyPr>
+          <a:lstStyle/>
+          <a:p>
+            <a:r>
+              <a:rPr lang="en-US" altLang="zh-CN" sz="1100" dirty="0"/>
+              <a:t>0</a:t>
+            </a:r>
+            <a:endParaRPr lang="zh-CN" altLang="en-US" sz="1100" dirty="0"/>
+          </a:p>
+        </p:txBody>
+      </p:sp>
+      <p:sp>
+        <p:nvSpPr>
+          <p:cNvPr id="31" name="文本框 30">
+            <a:extLst>
+              <a:ext uri="{FF2B5EF4-FFF2-40B4-BE49-F238E27FC236}">
+                <a16:creationId xmlns:a16="http://schemas.microsoft.com/office/drawing/2014/main" id="{3DAC1CFC-F875-A561-0782-50E3DE34A685}"/>
+              </a:ext>
+            </a:extLst>
+          </p:cNvPr>
+          <p:cNvSpPr txBox="1"/>
+          <p:nvPr/>
+        </p:nvSpPr>
+        <p:spPr>
+          <a:xfrm>
+            <a:off x="2484054" y="3638500"/>
+            <a:ext cx="265923" cy="261610"/>
+          </a:xfrm>
+          <a:prstGeom prst="rect">
+            <a:avLst/>
+          </a:prstGeom>
+          <a:noFill/>
+        </p:spPr>
+        <p:txBody>
+          <a:bodyPr wrap="square" rtlCol="0">
+            <a:spAutoFit/>
+          </a:bodyPr>
+          <a:lstStyle/>
+          <a:p>
+            <a:r>
+              <a:rPr lang="en-US" altLang="zh-CN" sz="1100" dirty="0"/>
+              <a:t>0</a:t>
+            </a:r>
+            <a:endParaRPr lang="zh-CN" altLang="en-US" sz="1100" dirty="0"/>
+          </a:p>
+        </p:txBody>
+      </p:sp>
+      <p:sp>
+        <p:nvSpPr>
+          <p:cNvPr id="32" name="文本框 31">
+            <a:extLst>
+              <a:ext uri="{FF2B5EF4-FFF2-40B4-BE49-F238E27FC236}">
+                <a16:creationId xmlns:a16="http://schemas.microsoft.com/office/drawing/2014/main" id="{4811A1DB-B1B1-F24F-3D51-8305E69F5AE2}"/>
+              </a:ext>
+            </a:extLst>
+          </p:cNvPr>
+          <p:cNvSpPr txBox="1"/>
+          <p:nvPr/>
+        </p:nvSpPr>
+        <p:spPr>
+          <a:xfrm>
+            <a:off x="2479495" y="4506418"/>
+            <a:ext cx="265923" cy="261610"/>
+          </a:xfrm>
+          <a:prstGeom prst="rect">
+            <a:avLst/>
+          </a:prstGeom>
+          <a:noFill/>
+        </p:spPr>
+        <p:txBody>
+          <a:bodyPr wrap="square" rtlCol="0">
+            <a:spAutoFit/>
+          </a:bodyPr>
+          <a:lstStyle/>
+          <a:p>
+            <a:r>
+              <a:rPr lang="en-US" altLang="zh-CN" sz="1100" dirty="0"/>
+              <a:t>0</a:t>
+            </a:r>
+            <a:endParaRPr lang="zh-CN" altLang="en-US" sz="1100" dirty="0"/>
+          </a:p>
+        </p:txBody>
+      </p:sp>
+      <p:sp>
+        <p:nvSpPr>
+          <p:cNvPr id="33" name="文本框 32">
+            <a:extLst>
+              <a:ext uri="{FF2B5EF4-FFF2-40B4-BE49-F238E27FC236}">
+                <a16:creationId xmlns:a16="http://schemas.microsoft.com/office/drawing/2014/main" id="{F54D13C1-2824-F0C7-8D81-354DA8A1E119}"/>
+              </a:ext>
+            </a:extLst>
+          </p:cNvPr>
+          <p:cNvSpPr txBox="1"/>
+          <p:nvPr/>
+        </p:nvSpPr>
+        <p:spPr>
+          <a:xfrm>
+            <a:off x="2484054" y="3858208"/>
+            <a:ext cx="265923" cy="261610"/>
+          </a:xfrm>
+          <a:prstGeom prst="rect">
+            <a:avLst/>
+          </a:prstGeom>
+          <a:noFill/>
+        </p:spPr>
+        <p:txBody>
+          <a:bodyPr wrap="square" rtlCol="0">
+            <a:spAutoFit/>
+          </a:bodyPr>
+          <a:lstStyle/>
+          <a:p>
+            <a:r>
+              <a:rPr lang="en-US" altLang="zh-CN" sz="1100" dirty="0"/>
+              <a:t>1</a:t>
+            </a:r>
+            <a:endParaRPr lang="zh-CN" altLang="en-US" sz="1100" dirty="0"/>
+          </a:p>
+        </p:txBody>
+      </p:sp>
+      <p:sp>
+        <p:nvSpPr>
+          <p:cNvPr id="34" name="文本框 33">
+            <a:extLst>
+              <a:ext uri="{FF2B5EF4-FFF2-40B4-BE49-F238E27FC236}">
+                <a16:creationId xmlns:a16="http://schemas.microsoft.com/office/drawing/2014/main" id="{52B91459-EC62-BDC5-84D6-F378E1330B25}"/>
+              </a:ext>
+            </a:extLst>
+          </p:cNvPr>
+          <p:cNvSpPr txBox="1"/>
+          <p:nvPr/>
+        </p:nvSpPr>
+        <p:spPr>
+          <a:xfrm>
+            <a:off x="2031633" y="1481028"/>
+            <a:ext cx="1614197" cy="369332"/>
+          </a:xfrm>
+          <a:prstGeom prst="rect">
+            <a:avLst/>
+          </a:prstGeom>
+          <a:noFill/>
+        </p:spPr>
+        <p:txBody>
+          <a:bodyPr wrap="square" rtlCol="0">
+            <a:spAutoFit/>
+          </a:bodyPr>
+          <a:lstStyle/>
+          <a:p>
+            <a:r>
+              <a:rPr lang="en-US" altLang="zh-CN" dirty="0">
+                <a:latin typeface="Times New Roman" panose="02020603050405020304" pitchFamily="18" charset="0"/>
+                <a:ea typeface="黑体" panose="02010609060101010101" pitchFamily="49" charset="-122"/>
+                <a:cs typeface="Times New Roman" panose="02020603050405020304" pitchFamily="18" charset="0"/>
+              </a:rPr>
+              <a:t>Input Vector</a:t>
+            </a:r>
+            <a:endParaRPr lang="zh-CN" altLang="en-US" dirty="0">
+              <a:latin typeface="Times New Roman" panose="02020603050405020304" pitchFamily="18" charset="0"/>
+              <a:ea typeface="黑体" panose="02010609060101010101" pitchFamily="49" charset="-122"/>
+              <a:cs typeface="Times New Roman" panose="02020603050405020304" pitchFamily="18" charset="0"/>
+            </a:endParaRPr>
+          </a:p>
+        </p:txBody>
+      </p:sp>
+      <p:sp>
+        <p:nvSpPr>
+          <p:cNvPr id="35" name="椭圆 34">
+            <a:extLst>
+              <a:ext uri="{FF2B5EF4-FFF2-40B4-BE49-F238E27FC236}">
+                <a16:creationId xmlns:a16="http://schemas.microsoft.com/office/drawing/2014/main" id="{4C3A1D42-30D1-E294-3A63-797C8E1DFAC9}"/>
+              </a:ext>
+            </a:extLst>
+          </p:cNvPr>
+          <p:cNvSpPr/>
+          <p:nvPr/>
+        </p:nvSpPr>
+        <p:spPr>
+          <a:xfrm>
+            <a:off x="4749437" y="1708471"/>
+            <a:ext cx="597159" cy="559837"/>
+          </a:xfrm>
+          <a:prstGeom prst="ellipse">
+            <a:avLst/>
+          </a:prstGeom>
+          <a:solidFill>
+            <a:schemeClr val="bg1"/>
+          </a:solidFill>
+        </p:spPr>
+        <p:style>
+          <a:lnRef idx="2">
+            <a:schemeClr val="accent1">
+              <a:shade val="15000"/>
+            </a:schemeClr>
+          </a:lnRef>
+          <a:fillRef idx="1">
+            <a:schemeClr val="accent1"/>
+          </a:fillRef>
+          <a:effectRef idx="0">
+            <a:schemeClr val="accent1"/>
+          </a:effectRef>
+          <a:fontRef idx="minor">
+            <a:schemeClr val="lt1"/>
+          </a:fontRef>
+        </p:style>
+        <p:txBody>
+          <a:bodyPr rtlCol="0" anchor="ctr"/>
+          <a:lstStyle/>
+          <a:p>
+            <a:pPr algn="ctr"/>
+            <a:endParaRPr lang="zh-CN" altLang="en-US" dirty="0">
+              <a:solidFill>
+                <a:schemeClr val="bg1"/>
+              </a:solidFill>
+            </a:endParaRPr>
+          </a:p>
+        </p:txBody>
+      </p:sp>
+      <p:sp>
+        <p:nvSpPr>
+          <p:cNvPr id="36" name="椭圆 35">
+            <a:extLst>
+              <a:ext uri="{FF2B5EF4-FFF2-40B4-BE49-F238E27FC236}">
+                <a16:creationId xmlns:a16="http://schemas.microsoft.com/office/drawing/2014/main" id="{615CD453-2BD7-8E7B-FF22-A279E53D7CDF}"/>
+              </a:ext>
+            </a:extLst>
+          </p:cNvPr>
+          <p:cNvSpPr/>
+          <p:nvPr/>
+        </p:nvSpPr>
+        <p:spPr>
+          <a:xfrm>
+            <a:off x="4732674" y="3026418"/>
+            <a:ext cx="597159" cy="559837"/>
+          </a:xfrm>
+          <a:prstGeom prst="ellipse">
+            <a:avLst/>
+          </a:prstGeom>
+          <a:solidFill>
+            <a:schemeClr val="bg1"/>
+          </a:solidFill>
+        </p:spPr>
+        <p:style>
+          <a:lnRef idx="2">
+            <a:schemeClr val="accent1">
+              <a:shade val="15000"/>
+            </a:schemeClr>
+          </a:lnRef>
+          <a:fillRef idx="1">
+            <a:schemeClr val="accent1"/>
+          </a:fillRef>
+          <a:effectRef idx="0">
+            <a:schemeClr val="accent1"/>
+          </a:effectRef>
+          <a:fontRef idx="minor">
+            <a:schemeClr val="lt1"/>
+          </a:fontRef>
+        </p:style>
+        <p:txBody>
+          <a:bodyPr rtlCol="0" anchor="ctr"/>
+          <a:lstStyle/>
+          <a:p>
+            <a:pPr algn="ctr"/>
+            <a:endParaRPr lang="zh-CN" altLang="en-US">
+              <a:solidFill>
+                <a:schemeClr val="bg1"/>
+              </a:solidFill>
+            </a:endParaRPr>
+          </a:p>
+        </p:txBody>
+      </p:sp>
+      <p:sp>
+        <p:nvSpPr>
+          <p:cNvPr id="37" name="椭圆 36">
+            <a:extLst>
+              <a:ext uri="{FF2B5EF4-FFF2-40B4-BE49-F238E27FC236}">
+                <a16:creationId xmlns:a16="http://schemas.microsoft.com/office/drawing/2014/main" id="{1E6DD758-28F0-8590-B84F-AE6D9BF46998}"/>
+              </a:ext>
+            </a:extLst>
+          </p:cNvPr>
+          <p:cNvSpPr/>
+          <p:nvPr/>
+        </p:nvSpPr>
+        <p:spPr>
+          <a:xfrm>
+            <a:off x="4749437" y="4344366"/>
+            <a:ext cx="597159" cy="559837"/>
+          </a:xfrm>
+          <a:prstGeom prst="ellipse">
+            <a:avLst/>
+          </a:prstGeom>
+          <a:solidFill>
+            <a:schemeClr val="bg1"/>
+          </a:solidFill>
+        </p:spPr>
+        <p:style>
+          <a:lnRef idx="2">
+            <a:schemeClr val="accent1">
+              <a:shade val="15000"/>
+            </a:schemeClr>
+          </a:lnRef>
+          <a:fillRef idx="1">
+            <a:schemeClr val="accent1"/>
+          </a:fillRef>
+          <a:effectRef idx="0">
+            <a:schemeClr val="accent1"/>
+          </a:effectRef>
+          <a:fontRef idx="minor">
+            <a:schemeClr val="lt1"/>
+          </a:fontRef>
+        </p:style>
+        <p:txBody>
+          <a:bodyPr rtlCol="0" anchor="ctr"/>
+          <a:lstStyle/>
+          <a:p>
+            <a:pPr algn="ctr"/>
+            <a:endParaRPr lang="zh-CN" altLang="en-US">
+              <a:solidFill>
+                <a:schemeClr val="bg1"/>
+              </a:solidFill>
+            </a:endParaRPr>
+          </a:p>
+        </p:txBody>
+      </p:sp>
+      <p:sp>
+        <p:nvSpPr>
+          <p:cNvPr id="38" name="椭圆 37">
+            <a:extLst>
+              <a:ext uri="{FF2B5EF4-FFF2-40B4-BE49-F238E27FC236}">
+                <a16:creationId xmlns:a16="http://schemas.microsoft.com/office/drawing/2014/main" id="{1974EAFD-7446-0C68-9C53-4998A45BB405}"/>
+              </a:ext>
+            </a:extLst>
+          </p:cNvPr>
+          <p:cNvSpPr/>
+          <p:nvPr/>
+        </p:nvSpPr>
+        <p:spPr>
+          <a:xfrm>
+            <a:off x="6977072" y="1002468"/>
+            <a:ext cx="597159" cy="559837"/>
+          </a:xfrm>
+          <a:prstGeom prst="ellipse">
+            <a:avLst/>
+          </a:prstGeom>
+          <a:solidFill>
+            <a:schemeClr val="bg1"/>
+          </a:solidFill>
+        </p:spPr>
+        <p:style>
+          <a:lnRef idx="2">
+            <a:schemeClr val="accent1">
+              <a:shade val="15000"/>
+            </a:schemeClr>
+          </a:lnRef>
+          <a:fillRef idx="1">
+            <a:schemeClr val="accent1"/>
+          </a:fillRef>
+          <a:effectRef idx="0">
+            <a:schemeClr val="accent1"/>
+          </a:effectRef>
+          <a:fontRef idx="minor">
+            <a:schemeClr val="lt1"/>
+          </a:fontRef>
+        </p:style>
+        <p:txBody>
+          <a:bodyPr rtlCol="0" anchor="ctr"/>
+          <a:lstStyle/>
+          <a:p>
+            <a:pPr algn="ctr"/>
+            <a:endParaRPr lang="zh-CN" altLang="en-US">
+              <a:solidFill>
+                <a:schemeClr val="bg1"/>
+              </a:solidFill>
+            </a:endParaRPr>
+          </a:p>
+        </p:txBody>
+      </p:sp>
+      <p:sp>
+        <p:nvSpPr>
+          <p:cNvPr id="39" name="椭圆 38">
+            <a:extLst>
+              <a:ext uri="{FF2B5EF4-FFF2-40B4-BE49-F238E27FC236}">
+                <a16:creationId xmlns:a16="http://schemas.microsoft.com/office/drawing/2014/main" id="{B4F87D7F-3737-E221-0D19-736999895DDB}"/>
+              </a:ext>
+            </a:extLst>
+          </p:cNvPr>
+          <p:cNvSpPr/>
+          <p:nvPr/>
+        </p:nvSpPr>
+        <p:spPr>
+          <a:xfrm>
+            <a:off x="6977071" y="1895549"/>
+            <a:ext cx="597159" cy="559837"/>
+          </a:xfrm>
+          <a:prstGeom prst="ellipse">
+            <a:avLst/>
+          </a:prstGeom>
+          <a:solidFill>
+            <a:schemeClr val="bg1"/>
+          </a:solidFill>
+        </p:spPr>
+        <p:style>
+          <a:lnRef idx="2">
+            <a:schemeClr val="accent1">
+              <a:shade val="15000"/>
+            </a:schemeClr>
+          </a:lnRef>
+          <a:fillRef idx="1">
+            <a:schemeClr val="accent1"/>
+          </a:fillRef>
+          <a:effectRef idx="0">
+            <a:schemeClr val="accent1"/>
+          </a:effectRef>
+          <a:fontRef idx="minor">
+            <a:schemeClr val="lt1"/>
+          </a:fontRef>
+        </p:style>
+        <p:txBody>
+          <a:bodyPr rtlCol="0" anchor="ctr"/>
+          <a:lstStyle/>
+          <a:p>
+            <a:pPr algn="ctr"/>
+            <a:endParaRPr lang="zh-CN" altLang="en-US">
+              <a:solidFill>
+                <a:schemeClr val="bg1"/>
+              </a:solidFill>
+            </a:endParaRPr>
+          </a:p>
+        </p:txBody>
+      </p:sp>
+      <p:sp>
+        <p:nvSpPr>
+          <p:cNvPr id="40" name="椭圆 39">
+            <a:extLst>
+              <a:ext uri="{FF2B5EF4-FFF2-40B4-BE49-F238E27FC236}">
+                <a16:creationId xmlns:a16="http://schemas.microsoft.com/office/drawing/2014/main" id="{B8CE4A80-4CBF-DDAA-482C-60D1AA261AB4}"/>
+              </a:ext>
+            </a:extLst>
+          </p:cNvPr>
+          <p:cNvSpPr/>
+          <p:nvPr/>
+        </p:nvSpPr>
+        <p:spPr>
+          <a:xfrm>
+            <a:off x="6977071" y="2877925"/>
+            <a:ext cx="597159" cy="559837"/>
+          </a:xfrm>
+          <a:prstGeom prst="ellipse">
+            <a:avLst/>
+          </a:prstGeom>
+          <a:solidFill>
+            <a:schemeClr val="bg1"/>
+          </a:solidFill>
+        </p:spPr>
+        <p:style>
+          <a:lnRef idx="2">
+            <a:schemeClr val="accent1">
+              <a:shade val="15000"/>
+            </a:schemeClr>
+          </a:lnRef>
+          <a:fillRef idx="1">
+            <a:schemeClr val="accent1"/>
+          </a:fillRef>
+          <a:effectRef idx="0">
+            <a:schemeClr val="accent1"/>
+          </a:effectRef>
+          <a:fontRef idx="minor">
+            <a:schemeClr val="lt1"/>
+          </a:fontRef>
+        </p:style>
+        <p:txBody>
+          <a:bodyPr rtlCol="0" anchor="ctr"/>
+          <a:lstStyle/>
+          <a:p>
+            <a:pPr algn="ctr"/>
+            <a:endParaRPr lang="zh-CN" altLang="en-US">
+              <a:solidFill>
+                <a:schemeClr val="bg1"/>
+              </a:solidFill>
+            </a:endParaRPr>
+          </a:p>
+        </p:txBody>
+      </p:sp>
+      <p:sp>
+        <p:nvSpPr>
+          <p:cNvPr id="41" name="椭圆 40">
+            <a:extLst>
+              <a:ext uri="{FF2B5EF4-FFF2-40B4-BE49-F238E27FC236}">
+                <a16:creationId xmlns:a16="http://schemas.microsoft.com/office/drawing/2014/main" id="{B71B1277-CF1C-6279-438C-B69519714064}"/>
+              </a:ext>
+            </a:extLst>
+          </p:cNvPr>
+          <p:cNvSpPr/>
+          <p:nvPr/>
+        </p:nvSpPr>
+        <p:spPr>
+          <a:xfrm>
+            <a:off x="6977071" y="3798992"/>
+            <a:ext cx="597159" cy="559837"/>
+          </a:xfrm>
+          <a:prstGeom prst="ellipse">
+            <a:avLst/>
+          </a:prstGeom>
+          <a:solidFill>
+            <a:schemeClr val="bg1"/>
+          </a:solidFill>
+        </p:spPr>
+        <p:style>
+          <a:lnRef idx="2">
+            <a:schemeClr val="accent1">
+              <a:shade val="15000"/>
+            </a:schemeClr>
+          </a:lnRef>
+          <a:fillRef idx="1">
+            <a:schemeClr val="accent1"/>
+          </a:fillRef>
+          <a:effectRef idx="0">
+            <a:schemeClr val="accent1"/>
+          </a:effectRef>
+          <a:fontRef idx="minor">
+            <a:schemeClr val="lt1"/>
+          </a:fontRef>
+        </p:style>
+        <p:txBody>
+          <a:bodyPr rtlCol="0" anchor="ctr"/>
+          <a:lstStyle/>
+          <a:p>
+            <a:pPr algn="ctr"/>
+            <a:endParaRPr lang="zh-CN" altLang="en-US">
+              <a:solidFill>
+                <a:schemeClr val="bg1"/>
+              </a:solidFill>
+            </a:endParaRPr>
+          </a:p>
+        </p:txBody>
+      </p:sp>
+      <p:sp>
+        <p:nvSpPr>
+          <p:cNvPr id="42" name="椭圆 41">
+            <a:extLst>
+              <a:ext uri="{FF2B5EF4-FFF2-40B4-BE49-F238E27FC236}">
+                <a16:creationId xmlns:a16="http://schemas.microsoft.com/office/drawing/2014/main" id="{2BE0A97C-7946-49F8-940C-059145B52927}"/>
+              </a:ext>
+            </a:extLst>
+          </p:cNvPr>
+          <p:cNvSpPr/>
+          <p:nvPr/>
+        </p:nvSpPr>
+        <p:spPr>
+          <a:xfrm>
+            <a:off x="6977071" y="4743571"/>
+            <a:ext cx="597159" cy="559837"/>
+          </a:xfrm>
+          <a:prstGeom prst="ellipse">
+            <a:avLst/>
+          </a:prstGeom>
+          <a:solidFill>
+            <a:schemeClr val="bg1"/>
+          </a:solidFill>
+        </p:spPr>
+        <p:style>
+          <a:lnRef idx="2">
+            <a:schemeClr val="accent1">
+              <a:shade val="15000"/>
+            </a:schemeClr>
+          </a:lnRef>
+          <a:fillRef idx="1">
+            <a:schemeClr val="accent1"/>
+          </a:fillRef>
+          <a:effectRef idx="0">
+            <a:schemeClr val="accent1"/>
+          </a:effectRef>
+          <a:fontRef idx="minor">
+            <a:schemeClr val="lt1"/>
+          </a:fontRef>
+        </p:style>
+        <p:txBody>
+          <a:bodyPr rtlCol="0" anchor="ctr"/>
+          <a:lstStyle/>
+          <a:p>
+            <a:pPr algn="ctr"/>
+            <a:endParaRPr lang="zh-CN" altLang="en-US">
+              <a:solidFill>
+                <a:schemeClr val="bg1"/>
+              </a:solidFill>
+            </a:endParaRPr>
+          </a:p>
+        </p:txBody>
+      </p:sp>
+      <p:cxnSp>
+        <p:nvCxnSpPr>
+          <p:cNvPr id="44" name="直接箭头连接符 43">
+            <a:extLst>
+              <a:ext uri="{FF2B5EF4-FFF2-40B4-BE49-F238E27FC236}">
+                <a16:creationId xmlns:a16="http://schemas.microsoft.com/office/drawing/2014/main" id="{2A824580-8985-9FB6-BC14-7BF68B34B7FD}"/>
+              </a:ext>
+            </a:extLst>
+          </p:cNvPr>
+          <p:cNvCxnSpPr>
+            <a:cxnSpLocks/>
+            <a:stCxn id="29" idx="3"/>
+            <a:endCxn id="35" idx="2"/>
+          </p:cNvCxnSpPr>
+          <p:nvPr/>
+        </p:nvCxnSpPr>
+        <p:spPr>
+          <a:xfrm flipV="1">
+            <a:off x="2749977" y="1988390"/>
+            <a:ext cx="1999460" cy="1318567"/>
+          </a:xfrm>
+          <a:prstGeom prst="straightConnector1">
+            <a:avLst/>
+          </a:prstGeom>
+          <a:ln>
+            <a:tailEnd type="triangle"/>
+          </a:ln>
+        </p:spPr>
+        <p:style>
+          <a:lnRef idx="1">
+            <a:schemeClr val="accent1"/>
+          </a:lnRef>
+          <a:fillRef idx="0">
+            <a:schemeClr val="accent1"/>
+          </a:fillRef>
+          <a:effectRef idx="0">
+            <a:schemeClr val="accent1"/>
+          </a:effectRef>
+          <a:fontRef idx="minor">
+            <a:schemeClr val="tx1"/>
+          </a:fontRef>
+        </p:style>
+      </p:cxnSp>
+      <p:cxnSp>
+        <p:nvCxnSpPr>
+          <p:cNvPr id="47" name="直接箭头连接符 46">
+            <a:extLst>
+              <a:ext uri="{FF2B5EF4-FFF2-40B4-BE49-F238E27FC236}">
+                <a16:creationId xmlns:a16="http://schemas.microsoft.com/office/drawing/2014/main" id="{7D6EF4B0-4C05-3E7D-271E-FFCDA4F34945}"/>
+              </a:ext>
+            </a:extLst>
+          </p:cNvPr>
+          <p:cNvCxnSpPr>
+            <a:cxnSpLocks/>
+          </p:cNvCxnSpPr>
+          <p:nvPr/>
+        </p:nvCxnSpPr>
+        <p:spPr>
+          <a:xfrm flipV="1">
+            <a:off x="2757193" y="3318228"/>
+            <a:ext cx="1950039" cy="95810"/>
+          </a:xfrm>
+          <a:prstGeom prst="straightConnector1">
+            <a:avLst/>
+          </a:prstGeom>
+          <a:ln>
+            <a:tailEnd type="triangle"/>
+          </a:ln>
+        </p:spPr>
+        <p:style>
+          <a:lnRef idx="1">
+            <a:schemeClr val="accent1"/>
+          </a:lnRef>
+          <a:fillRef idx="0">
+            <a:schemeClr val="accent1"/>
+          </a:fillRef>
+          <a:effectRef idx="0">
+            <a:schemeClr val="accent1"/>
+          </a:effectRef>
+          <a:fontRef idx="minor">
+            <a:schemeClr val="tx1"/>
+          </a:fontRef>
+        </p:style>
+      </p:cxnSp>
+      <p:cxnSp>
+        <p:nvCxnSpPr>
+          <p:cNvPr id="53" name="直接箭头连接符 52">
+            <a:extLst>
+              <a:ext uri="{FF2B5EF4-FFF2-40B4-BE49-F238E27FC236}">
+                <a16:creationId xmlns:a16="http://schemas.microsoft.com/office/drawing/2014/main" id="{B8A5B813-3E79-B945-464E-0A37B176DDBB}"/>
+              </a:ext>
+            </a:extLst>
+          </p:cNvPr>
+          <p:cNvCxnSpPr>
+            <a:cxnSpLocks/>
+            <a:stCxn id="30" idx="3"/>
+            <a:endCxn id="37" idx="2"/>
+          </p:cNvCxnSpPr>
+          <p:nvPr/>
+        </p:nvCxnSpPr>
+        <p:spPr>
+          <a:xfrm>
+            <a:off x="2745418" y="3544843"/>
+            <a:ext cx="2004019" cy="1079442"/>
+          </a:xfrm>
+          <a:prstGeom prst="straightConnector1">
+            <a:avLst/>
+          </a:prstGeom>
+          <a:ln>
+            <a:tailEnd type="triangle"/>
+          </a:ln>
+        </p:spPr>
+        <p:style>
+          <a:lnRef idx="1">
+            <a:schemeClr val="accent1"/>
+          </a:lnRef>
+          <a:fillRef idx="0">
+            <a:schemeClr val="accent1"/>
+          </a:fillRef>
+          <a:effectRef idx="0">
+            <a:schemeClr val="accent1"/>
+          </a:effectRef>
+          <a:fontRef idx="minor">
+            <a:schemeClr val="tx1"/>
+          </a:fontRef>
+        </p:style>
+      </p:cxnSp>
+      <p:cxnSp>
+        <p:nvCxnSpPr>
+          <p:cNvPr id="56" name="直接箭头连接符 55">
+            <a:extLst>
+              <a:ext uri="{FF2B5EF4-FFF2-40B4-BE49-F238E27FC236}">
+                <a16:creationId xmlns:a16="http://schemas.microsoft.com/office/drawing/2014/main" id="{EE7BF9A4-BF9A-B354-9EEF-420DE4151CA1}"/>
+              </a:ext>
+            </a:extLst>
+          </p:cNvPr>
+          <p:cNvCxnSpPr>
+            <a:cxnSpLocks/>
+            <a:stCxn id="35" idx="6"/>
+            <a:endCxn id="38" idx="2"/>
+          </p:cNvCxnSpPr>
+          <p:nvPr/>
+        </p:nvCxnSpPr>
+        <p:spPr>
+          <a:xfrm flipV="1">
+            <a:off x="5346596" y="1282387"/>
+            <a:ext cx="1630476" cy="706003"/>
+          </a:xfrm>
+          <a:prstGeom prst="straightConnector1">
+            <a:avLst/>
+          </a:prstGeom>
+          <a:ln>
+            <a:tailEnd type="triangle"/>
+          </a:ln>
+        </p:spPr>
+        <p:style>
+          <a:lnRef idx="1">
+            <a:schemeClr val="accent1"/>
+          </a:lnRef>
+          <a:fillRef idx="0">
+            <a:schemeClr val="accent1"/>
+          </a:fillRef>
+          <a:effectRef idx="0">
+            <a:schemeClr val="accent1"/>
+          </a:effectRef>
+          <a:fontRef idx="minor">
+            <a:schemeClr val="tx1"/>
+          </a:fontRef>
+        </p:style>
+      </p:cxnSp>
+      <p:cxnSp>
+        <p:nvCxnSpPr>
+          <p:cNvPr id="59" name="直接箭头连接符 58">
+            <a:extLst>
+              <a:ext uri="{FF2B5EF4-FFF2-40B4-BE49-F238E27FC236}">
+                <a16:creationId xmlns:a16="http://schemas.microsoft.com/office/drawing/2014/main" id="{83F5833D-5874-D729-55EC-E13B9FFA1D49}"/>
+              </a:ext>
+            </a:extLst>
+          </p:cNvPr>
+          <p:cNvCxnSpPr>
+            <a:cxnSpLocks/>
+            <a:stCxn id="35" idx="6"/>
+            <a:endCxn id="39" idx="2"/>
+          </p:cNvCxnSpPr>
+          <p:nvPr/>
+        </p:nvCxnSpPr>
+        <p:spPr>
+          <a:xfrm>
+            <a:off x="5346596" y="1988390"/>
+            <a:ext cx="1630475" cy="187078"/>
+          </a:xfrm>
+          <a:prstGeom prst="straightConnector1">
+            <a:avLst/>
+          </a:prstGeom>
+          <a:ln>
+            <a:tailEnd type="triangle"/>
+          </a:ln>
+        </p:spPr>
+        <p:style>
+          <a:lnRef idx="1">
+            <a:schemeClr val="accent1"/>
+          </a:lnRef>
+          <a:fillRef idx="0">
+            <a:schemeClr val="accent1"/>
+          </a:fillRef>
+          <a:effectRef idx="0">
+            <a:schemeClr val="accent1"/>
+          </a:effectRef>
+          <a:fontRef idx="minor">
+            <a:schemeClr val="tx1"/>
+          </a:fontRef>
+        </p:style>
+      </p:cxnSp>
+      <p:cxnSp>
+        <p:nvCxnSpPr>
+          <p:cNvPr id="62" name="直接箭头连接符 61">
+            <a:extLst>
+              <a:ext uri="{FF2B5EF4-FFF2-40B4-BE49-F238E27FC236}">
+                <a16:creationId xmlns:a16="http://schemas.microsoft.com/office/drawing/2014/main" id="{24C73FE4-9E9E-C0E5-B53D-01C1F969BE9F}"/>
+              </a:ext>
+            </a:extLst>
+          </p:cNvPr>
+          <p:cNvCxnSpPr>
+            <a:cxnSpLocks/>
+            <a:stCxn id="35" idx="6"/>
+            <a:endCxn id="40" idx="2"/>
+          </p:cNvCxnSpPr>
+          <p:nvPr/>
+        </p:nvCxnSpPr>
+        <p:spPr>
+          <a:xfrm>
+            <a:off x="5346596" y="1988390"/>
+            <a:ext cx="1630475" cy="1169454"/>
+          </a:xfrm>
+          <a:prstGeom prst="straightConnector1">
+            <a:avLst/>
+          </a:prstGeom>
+          <a:ln>
+            <a:tailEnd type="triangle"/>
+          </a:ln>
+        </p:spPr>
+        <p:style>
+          <a:lnRef idx="1">
+            <a:schemeClr val="accent1"/>
+          </a:lnRef>
+          <a:fillRef idx="0">
+            <a:schemeClr val="accent1"/>
+          </a:fillRef>
+          <a:effectRef idx="0">
+            <a:schemeClr val="accent1"/>
+          </a:effectRef>
+          <a:fontRef idx="minor">
+            <a:schemeClr val="tx1"/>
+          </a:fontRef>
+        </p:style>
+      </p:cxnSp>
+      <p:cxnSp>
+        <p:nvCxnSpPr>
+          <p:cNvPr id="65" name="直接箭头连接符 64">
+            <a:extLst>
+              <a:ext uri="{FF2B5EF4-FFF2-40B4-BE49-F238E27FC236}">
+                <a16:creationId xmlns:a16="http://schemas.microsoft.com/office/drawing/2014/main" id="{F58D1139-7D08-D396-7A9C-E22722FB71C8}"/>
+              </a:ext>
+            </a:extLst>
+          </p:cNvPr>
+          <p:cNvCxnSpPr>
+            <a:cxnSpLocks/>
+            <a:stCxn id="35" idx="6"/>
+            <a:endCxn id="41" idx="2"/>
+          </p:cNvCxnSpPr>
+          <p:nvPr/>
+        </p:nvCxnSpPr>
+        <p:spPr>
+          <a:xfrm>
+            <a:off x="5346596" y="1988390"/>
+            <a:ext cx="1630475" cy="2090521"/>
+          </a:xfrm>
+          <a:prstGeom prst="straightConnector1">
+            <a:avLst/>
+          </a:prstGeom>
+          <a:ln>
+            <a:tailEnd type="triangle"/>
+          </a:ln>
+        </p:spPr>
+        <p:style>
+          <a:lnRef idx="1">
+            <a:schemeClr val="accent1"/>
+          </a:lnRef>
+          <a:fillRef idx="0">
+            <a:schemeClr val="accent1"/>
+          </a:fillRef>
+          <a:effectRef idx="0">
+            <a:schemeClr val="accent1"/>
+          </a:effectRef>
+          <a:fontRef idx="minor">
+            <a:schemeClr val="tx1"/>
+          </a:fontRef>
+        </p:style>
+      </p:cxnSp>
+      <p:cxnSp>
+        <p:nvCxnSpPr>
+          <p:cNvPr id="68" name="直接箭头连接符 67">
+            <a:extLst>
+              <a:ext uri="{FF2B5EF4-FFF2-40B4-BE49-F238E27FC236}">
+                <a16:creationId xmlns:a16="http://schemas.microsoft.com/office/drawing/2014/main" id="{07131ADD-6513-1315-BD58-818A0FCE22C5}"/>
+              </a:ext>
+            </a:extLst>
+          </p:cNvPr>
+          <p:cNvCxnSpPr>
+            <a:cxnSpLocks/>
+            <a:stCxn id="35" idx="6"/>
+            <a:endCxn id="42" idx="2"/>
+          </p:cNvCxnSpPr>
+          <p:nvPr/>
+        </p:nvCxnSpPr>
+        <p:spPr>
+          <a:xfrm>
+            <a:off x="5346596" y="1988390"/>
+            <a:ext cx="1630475" cy="3035100"/>
+          </a:xfrm>
+          <a:prstGeom prst="straightConnector1">
+            <a:avLst/>
+          </a:prstGeom>
+          <a:ln>
+            <a:tailEnd type="triangle"/>
+          </a:ln>
+        </p:spPr>
+        <p:style>
+          <a:lnRef idx="1">
+            <a:schemeClr val="accent1"/>
+          </a:lnRef>
+          <a:fillRef idx="0">
+            <a:schemeClr val="accent1"/>
+          </a:fillRef>
+          <a:effectRef idx="0">
+            <a:schemeClr val="accent1"/>
+          </a:effectRef>
+          <a:fontRef idx="minor">
+            <a:schemeClr val="tx1"/>
+          </a:fontRef>
+        </p:style>
+      </p:cxnSp>
+      <p:cxnSp>
+        <p:nvCxnSpPr>
+          <p:cNvPr id="71" name="直接箭头连接符 70">
+            <a:extLst>
+              <a:ext uri="{FF2B5EF4-FFF2-40B4-BE49-F238E27FC236}">
+                <a16:creationId xmlns:a16="http://schemas.microsoft.com/office/drawing/2014/main" id="{92D089A5-C0AB-3142-B4D2-389E03910758}"/>
+              </a:ext>
+            </a:extLst>
+          </p:cNvPr>
+          <p:cNvCxnSpPr>
+            <a:cxnSpLocks/>
+            <a:stCxn id="36" idx="6"/>
+            <a:endCxn id="38" idx="2"/>
+          </p:cNvCxnSpPr>
+          <p:nvPr/>
+        </p:nvCxnSpPr>
+        <p:spPr>
+          <a:xfrm flipV="1">
+            <a:off x="5329833" y="1282387"/>
+            <a:ext cx="1647239" cy="2023950"/>
+          </a:xfrm>
+          <a:prstGeom prst="straightConnector1">
+            <a:avLst/>
+          </a:prstGeom>
+          <a:ln>
+            <a:tailEnd type="triangle"/>
+          </a:ln>
+        </p:spPr>
+        <p:style>
+          <a:lnRef idx="1">
+            <a:schemeClr val="accent1"/>
+          </a:lnRef>
+          <a:fillRef idx="0">
+            <a:schemeClr val="accent1"/>
+          </a:fillRef>
+          <a:effectRef idx="0">
+            <a:schemeClr val="accent1"/>
+          </a:effectRef>
+          <a:fontRef idx="minor">
+            <a:schemeClr val="tx1"/>
+          </a:fontRef>
+        </p:style>
+      </p:cxnSp>
+      <p:cxnSp>
+        <p:nvCxnSpPr>
+          <p:cNvPr id="74" name="直接箭头连接符 73">
+            <a:extLst>
+              <a:ext uri="{FF2B5EF4-FFF2-40B4-BE49-F238E27FC236}">
+                <a16:creationId xmlns:a16="http://schemas.microsoft.com/office/drawing/2014/main" id="{29A4090D-24BD-3EFA-4ADE-8ED6BE26ED39}"/>
+              </a:ext>
+            </a:extLst>
+          </p:cNvPr>
+          <p:cNvCxnSpPr>
+            <a:cxnSpLocks/>
+            <a:stCxn id="36" idx="6"/>
+            <a:endCxn id="39" idx="2"/>
+          </p:cNvCxnSpPr>
+          <p:nvPr/>
+        </p:nvCxnSpPr>
+        <p:spPr>
+          <a:xfrm flipV="1">
+            <a:off x="5329833" y="2175468"/>
+            <a:ext cx="1647238" cy="1130869"/>
+          </a:xfrm>
+          <a:prstGeom prst="straightConnector1">
+            <a:avLst/>
+          </a:prstGeom>
+          <a:ln>
+            <a:tailEnd type="triangle"/>
+          </a:ln>
+        </p:spPr>
+        <p:style>
+          <a:lnRef idx="1">
+            <a:schemeClr val="accent1"/>
+          </a:lnRef>
+          <a:fillRef idx="0">
+            <a:schemeClr val="accent1"/>
+          </a:fillRef>
+          <a:effectRef idx="0">
+            <a:schemeClr val="accent1"/>
+          </a:effectRef>
+          <a:fontRef idx="minor">
+            <a:schemeClr val="tx1"/>
+          </a:fontRef>
+        </p:style>
+      </p:cxnSp>
+      <p:cxnSp>
+        <p:nvCxnSpPr>
+          <p:cNvPr id="77" name="直接箭头连接符 76">
+            <a:extLst>
+              <a:ext uri="{FF2B5EF4-FFF2-40B4-BE49-F238E27FC236}">
+                <a16:creationId xmlns:a16="http://schemas.microsoft.com/office/drawing/2014/main" id="{8E806BD2-3E67-FF31-3F83-5FCA212468BB}"/>
+              </a:ext>
+            </a:extLst>
+          </p:cNvPr>
+          <p:cNvCxnSpPr>
+            <a:cxnSpLocks/>
+            <a:stCxn id="36" idx="6"/>
+            <a:endCxn id="40" idx="2"/>
+          </p:cNvCxnSpPr>
+          <p:nvPr/>
+        </p:nvCxnSpPr>
+        <p:spPr>
+          <a:xfrm flipV="1">
+            <a:off x="5329833" y="3157844"/>
+            <a:ext cx="1647238" cy="148493"/>
+          </a:xfrm>
+          <a:prstGeom prst="straightConnector1">
+            <a:avLst/>
+          </a:prstGeom>
+          <a:ln>
+            <a:tailEnd type="triangle"/>
+          </a:ln>
+        </p:spPr>
+        <p:style>
+          <a:lnRef idx="1">
+            <a:schemeClr val="accent1"/>
+          </a:lnRef>
+          <a:fillRef idx="0">
+            <a:schemeClr val="accent1"/>
+          </a:fillRef>
+          <a:effectRef idx="0">
+            <a:schemeClr val="accent1"/>
+          </a:effectRef>
+          <a:fontRef idx="minor">
+            <a:schemeClr val="tx1"/>
+          </a:fontRef>
+        </p:style>
+      </p:cxnSp>
+      <p:cxnSp>
+        <p:nvCxnSpPr>
+          <p:cNvPr id="81" name="直接箭头连接符 80">
+            <a:extLst>
+              <a:ext uri="{FF2B5EF4-FFF2-40B4-BE49-F238E27FC236}">
+                <a16:creationId xmlns:a16="http://schemas.microsoft.com/office/drawing/2014/main" id="{DE0585D1-CE78-483C-1313-CCAC54C64DC2}"/>
+              </a:ext>
+            </a:extLst>
+          </p:cNvPr>
+          <p:cNvCxnSpPr>
+            <a:cxnSpLocks/>
+            <a:stCxn id="36" idx="6"/>
+            <a:endCxn id="41" idx="2"/>
+          </p:cNvCxnSpPr>
+          <p:nvPr/>
+        </p:nvCxnSpPr>
+        <p:spPr>
+          <a:xfrm>
+            <a:off x="5329833" y="3306337"/>
+            <a:ext cx="1647238" cy="772574"/>
+          </a:xfrm>
+          <a:prstGeom prst="straightConnector1">
+            <a:avLst/>
+          </a:prstGeom>
+          <a:ln>
+            <a:tailEnd type="triangle"/>
+          </a:ln>
+        </p:spPr>
+        <p:style>
+          <a:lnRef idx="1">
+            <a:schemeClr val="accent1"/>
+          </a:lnRef>
+          <a:fillRef idx="0">
+            <a:schemeClr val="accent1"/>
+          </a:fillRef>
+          <a:effectRef idx="0">
+            <a:schemeClr val="accent1"/>
+          </a:effectRef>
+          <a:fontRef idx="minor">
+            <a:schemeClr val="tx1"/>
+          </a:fontRef>
+        </p:style>
+      </p:cxnSp>
+      <p:cxnSp>
+        <p:nvCxnSpPr>
+          <p:cNvPr id="84" name="直接箭头连接符 83">
+            <a:extLst>
+              <a:ext uri="{FF2B5EF4-FFF2-40B4-BE49-F238E27FC236}">
+                <a16:creationId xmlns:a16="http://schemas.microsoft.com/office/drawing/2014/main" id="{BCB45062-5D80-9933-29F4-609ECD9E10E8}"/>
+              </a:ext>
+            </a:extLst>
+          </p:cNvPr>
+          <p:cNvCxnSpPr>
+            <a:cxnSpLocks/>
+            <a:stCxn id="36" idx="6"/>
+            <a:endCxn id="42" idx="2"/>
+          </p:cNvCxnSpPr>
+          <p:nvPr/>
+        </p:nvCxnSpPr>
+        <p:spPr>
+          <a:xfrm>
+            <a:off x="5329833" y="3306337"/>
+            <a:ext cx="1647238" cy="1717153"/>
+          </a:xfrm>
+          <a:prstGeom prst="straightConnector1">
+            <a:avLst/>
+          </a:prstGeom>
+          <a:ln>
+            <a:tailEnd type="triangle"/>
+          </a:ln>
+        </p:spPr>
+        <p:style>
+          <a:lnRef idx="1">
+            <a:schemeClr val="accent1"/>
+          </a:lnRef>
+          <a:fillRef idx="0">
+            <a:schemeClr val="accent1"/>
+          </a:fillRef>
+          <a:effectRef idx="0">
+            <a:schemeClr val="accent1"/>
+          </a:effectRef>
+          <a:fontRef idx="minor">
+            <a:schemeClr val="tx1"/>
+          </a:fontRef>
+        </p:style>
+      </p:cxnSp>
+      <p:cxnSp>
+        <p:nvCxnSpPr>
+          <p:cNvPr id="87" name="直接箭头连接符 86">
+            <a:extLst>
+              <a:ext uri="{FF2B5EF4-FFF2-40B4-BE49-F238E27FC236}">
+                <a16:creationId xmlns:a16="http://schemas.microsoft.com/office/drawing/2014/main" id="{A1A45029-5561-33D6-CDA6-7D5701F2E4D4}"/>
+              </a:ext>
+            </a:extLst>
+          </p:cNvPr>
+          <p:cNvCxnSpPr>
+            <a:cxnSpLocks/>
+            <a:stCxn id="37" idx="6"/>
+            <a:endCxn id="38" idx="2"/>
+          </p:cNvCxnSpPr>
+          <p:nvPr/>
+        </p:nvCxnSpPr>
+        <p:spPr>
+          <a:xfrm flipV="1">
+            <a:off x="5346596" y="1282387"/>
+            <a:ext cx="1630476" cy="3341898"/>
+          </a:xfrm>
+          <a:prstGeom prst="straightConnector1">
+            <a:avLst/>
+          </a:prstGeom>
+          <a:ln>
+            <a:tailEnd type="triangle"/>
+          </a:ln>
+        </p:spPr>
+        <p:style>
+          <a:lnRef idx="1">
+            <a:schemeClr val="accent1"/>
+          </a:lnRef>
+          <a:fillRef idx="0">
+            <a:schemeClr val="accent1"/>
+          </a:fillRef>
+          <a:effectRef idx="0">
+            <a:schemeClr val="accent1"/>
+          </a:effectRef>
+          <a:fontRef idx="minor">
+            <a:schemeClr val="tx1"/>
+          </a:fontRef>
+        </p:style>
+      </p:cxnSp>
+      <p:cxnSp>
+        <p:nvCxnSpPr>
+          <p:cNvPr id="90" name="直接箭头连接符 89">
+            <a:extLst>
+              <a:ext uri="{FF2B5EF4-FFF2-40B4-BE49-F238E27FC236}">
+                <a16:creationId xmlns:a16="http://schemas.microsoft.com/office/drawing/2014/main" id="{8BD1B60D-99C8-942C-02E8-3037010BC449}"/>
+              </a:ext>
+            </a:extLst>
+          </p:cNvPr>
+          <p:cNvCxnSpPr>
+            <a:cxnSpLocks/>
+            <a:stCxn id="37" idx="6"/>
+            <a:endCxn id="39" idx="2"/>
+          </p:cNvCxnSpPr>
+          <p:nvPr/>
+        </p:nvCxnSpPr>
+        <p:spPr>
+          <a:xfrm flipV="1">
+            <a:off x="5346596" y="2175468"/>
+            <a:ext cx="1630475" cy="2448817"/>
+          </a:xfrm>
+          <a:prstGeom prst="straightConnector1">
+            <a:avLst/>
+          </a:prstGeom>
+          <a:ln>
+            <a:tailEnd type="triangle"/>
+          </a:ln>
+        </p:spPr>
+        <p:style>
+          <a:lnRef idx="1">
+            <a:schemeClr val="accent1"/>
+          </a:lnRef>
+          <a:fillRef idx="0">
+            <a:schemeClr val="accent1"/>
+          </a:fillRef>
+          <a:effectRef idx="0">
+            <a:schemeClr val="accent1"/>
+          </a:effectRef>
+          <a:fontRef idx="minor">
+            <a:schemeClr val="tx1"/>
+          </a:fontRef>
+        </p:style>
+      </p:cxnSp>
+      <p:cxnSp>
+        <p:nvCxnSpPr>
+          <p:cNvPr id="93" name="直接箭头连接符 92">
+            <a:extLst>
+              <a:ext uri="{FF2B5EF4-FFF2-40B4-BE49-F238E27FC236}">
+                <a16:creationId xmlns:a16="http://schemas.microsoft.com/office/drawing/2014/main" id="{CB86BB88-77F3-A508-68B5-D6C5670EAA5B}"/>
+              </a:ext>
+            </a:extLst>
+          </p:cNvPr>
+          <p:cNvCxnSpPr>
+            <a:cxnSpLocks/>
+            <a:stCxn id="37" idx="6"/>
+            <a:endCxn id="40" idx="2"/>
+          </p:cNvCxnSpPr>
+          <p:nvPr/>
+        </p:nvCxnSpPr>
+        <p:spPr>
+          <a:xfrm flipV="1">
+            <a:off x="5346596" y="3157844"/>
+            <a:ext cx="1630475" cy="1466441"/>
+          </a:xfrm>
+          <a:prstGeom prst="straightConnector1">
+            <a:avLst/>
+          </a:prstGeom>
+          <a:ln>
+            <a:tailEnd type="triangle"/>
+          </a:ln>
+        </p:spPr>
+        <p:style>
+          <a:lnRef idx="1">
+            <a:schemeClr val="accent1"/>
+          </a:lnRef>
+          <a:fillRef idx="0">
+            <a:schemeClr val="accent1"/>
+          </a:fillRef>
+          <a:effectRef idx="0">
+            <a:schemeClr val="accent1"/>
+          </a:effectRef>
+          <a:fontRef idx="minor">
+            <a:schemeClr val="tx1"/>
+          </a:fontRef>
+        </p:style>
+      </p:cxnSp>
+      <p:cxnSp>
+        <p:nvCxnSpPr>
+          <p:cNvPr id="96" name="直接箭头连接符 95">
+            <a:extLst>
+              <a:ext uri="{FF2B5EF4-FFF2-40B4-BE49-F238E27FC236}">
+                <a16:creationId xmlns:a16="http://schemas.microsoft.com/office/drawing/2014/main" id="{B814F6DB-2B3F-4DD7-15D8-84053B4926C0}"/>
+              </a:ext>
+            </a:extLst>
+          </p:cNvPr>
+          <p:cNvCxnSpPr>
+            <a:cxnSpLocks/>
+            <a:stCxn id="37" idx="6"/>
+            <a:endCxn id="41" idx="2"/>
+          </p:cNvCxnSpPr>
+          <p:nvPr/>
+        </p:nvCxnSpPr>
+        <p:spPr>
+          <a:xfrm flipV="1">
+            <a:off x="5346596" y="4078911"/>
+            <a:ext cx="1630475" cy="545374"/>
+          </a:xfrm>
+          <a:prstGeom prst="straightConnector1">
+            <a:avLst/>
+          </a:prstGeom>
+          <a:ln>
+            <a:tailEnd type="triangle"/>
+          </a:ln>
+        </p:spPr>
+        <p:style>
+          <a:lnRef idx="1">
+            <a:schemeClr val="accent1"/>
+          </a:lnRef>
+          <a:fillRef idx="0">
+            <a:schemeClr val="accent1"/>
+          </a:fillRef>
+          <a:effectRef idx="0">
+            <a:schemeClr val="accent1"/>
+          </a:effectRef>
+          <a:fontRef idx="minor">
+            <a:schemeClr val="tx1"/>
+          </a:fontRef>
+        </p:style>
+      </p:cxnSp>
+      <p:cxnSp>
+        <p:nvCxnSpPr>
+          <p:cNvPr id="99" name="直接箭头连接符 98">
+            <a:extLst>
+              <a:ext uri="{FF2B5EF4-FFF2-40B4-BE49-F238E27FC236}">
+                <a16:creationId xmlns:a16="http://schemas.microsoft.com/office/drawing/2014/main" id="{431C7C6C-E209-ED65-9611-EE7FDE766B12}"/>
+              </a:ext>
+            </a:extLst>
+          </p:cNvPr>
+          <p:cNvCxnSpPr>
+            <a:cxnSpLocks/>
+            <a:stCxn id="37" idx="6"/>
+            <a:endCxn id="42" idx="2"/>
+          </p:cNvCxnSpPr>
+          <p:nvPr/>
+        </p:nvCxnSpPr>
+        <p:spPr>
+          <a:xfrm>
+            <a:off x="5346596" y="4624285"/>
+            <a:ext cx="1630475" cy="399205"/>
+          </a:xfrm>
+          <a:prstGeom prst="straightConnector1">
+            <a:avLst/>
+          </a:prstGeom>
+          <a:ln>
+            <a:tailEnd type="triangle"/>
+          </a:ln>
+        </p:spPr>
+        <p:style>
+          <a:lnRef idx="1">
+            <a:schemeClr val="accent1"/>
+          </a:lnRef>
+          <a:fillRef idx="0">
+            <a:schemeClr val="accent1"/>
+          </a:fillRef>
+          <a:effectRef idx="0">
+            <a:schemeClr val="accent1"/>
+          </a:effectRef>
+          <a:fontRef idx="minor">
+            <a:schemeClr val="tx1"/>
+          </a:fontRef>
+        </p:style>
+      </p:cxnSp>
+      <p:sp>
+        <p:nvSpPr>
+          <p:cNvPr id="102" name="文本框 101">
+            <a:extLst>
+              <a:ext uri="{FF2B5EF4-FFF2-40B4-BE49-F238E27FC236}">
+                <a16:creationId xmlns:a16="http://schemas.microsoft.com/office/drawing/2014/main" id="{099ED8E8-B64C-F0C5-6DAD-C8EF6C036A82}"/>
+              </a:ext>
+            </a:extLst>
+          </p:cNvPr>
+          <p:cNvSpPr txBox="1"/>
+          <p:nvPr/>
+        </p:nvSpPr>
+        <p:spPr>
+          <a:xfrm>
+            <a:off x="4817183" y="2433170"/>
+            <a:ext cx="461665" cy="466530"/>
+          </a:xfrm>
+          <a:prstGeom prst="rect">
+            <a:avLst/>
+          </a:prstGeom>
+          <a:noFill/>
+        </p:spPr>
+        <p:txBody>
+          <a:bodyPr vert="eaVert" wrap="square" rtlCol="0">
+            <a:spAutoFit/>
+          </a:bodyPr>
+          <a:lstStyle/>
+          <a:p>
+            <a:r>
+              <a:rPr lang="en-US" altLang="zh-CN" dirty="0"/>
+              <a:t>……</a:t>
+            </a:r>
+            <a:endParaRPr lang="zh-CN" altLang="en-US" dirty="0"/>
+          </a:p>
+        </p:txBody>
+      </p:sp>
+      <p:sp>
+        <p:nvSpPr>
+          <p:cNvPr id="103" name="文本框 102">
+            <a:extLst>
+              <a:ext uri="{FF2B5EF4-FFF2-40B4-BE49-F238E27FC236}">
+                <a16:creationId xmlns:a16="http://schemas.microsoft.com/office/drawing/2014/main" id="{30B3EA24-6174-4B2C-238D-DD5E67986DE0}"/>
+              </a:ext>
+            </a:extLst>
+          </p:cNvPr>
+          <p:cNvSpPr txBox="1"/>
+          <p:nvPr/>
+        </p:nvSpPr>
+        <p:spPr>
+          <a:xfrm>
+            <a:off x="4800420" y="3798992"/>
+            <a:ext cx="461665" cy="466530"/>
+          </a:xfrm>
+          <a:prstGeom prst="rect">
+            <a:avLst/>
+          </a:prstGeom>
+          <a:noFill/>
+        </p:spPr>
+        <p:txBody>
+          <a:bodyPr vert="eaVert" wrap="square" rtlCol="0">
+            <a:spAutoFit/>
+          </a:bodyPr>
+          <a:lstStyle/>
+          <a:p>
+            <a:r>
+              <a:rPr lang="en-US" altLang="zh-CN" dirty="0"/>
+              <a:t>……</a:t>
+            </a:r>
+            <a:endParaRPr lang="zh-CN" altLang="en-US" dirty="0"/>
+          </a:p>
+        </p:txBody>
+      </p:sp>
+      <p:sp>
+        <p:nvSpPr>
+          <p:cNvPr id="104" name="文本框 103">
+            <a:extLst>
+              <a:ext uri="{FF2B5EF4-FFF2-40B4-BE49-F238E27FC236}">
+                <a16:creationId xmlns:a16="http://schemas.microsoft.com/office/drawing/2014/main" id="{9F885B4E-972C-1A78-6EFF-764E7136B631}"/>
+              </a:ext>
+            </a:extLst>
+          </p:cNvPr>
+          <p:cNvSpPr txBox="1"/>
+          <p:nvPr/>
+        </p:nvSpPr>
+        <p:spPr>
+          <a:xfrm>
+            <a:off x="4800419" y="5070143"/>
+            <a:ext cx="461665" cy="466530"/>
+          </a:xfrm>
+          <a:prstGeom prst="rect">
+            <a:avLst/>
+          </a:prstGeom>
+          <a:noFill/>
+        </p:spPr>
+        <p:txBody>
+          <a:bodyPr vert="eaVert" wrap="square" rtlCol="0">
+            <a:spAutoFit/>
+          </a:bodyPr>
+          <a:lstStyle/>
+          <a:p>
+            <a:r>
+              <a:rPr lang="en-US" altLang="zh-CN" dirty="0"/>
+              <a:t>……</a:t>
+            </a:r>
+            <a:endParaRPr lang="zh-CN" altLang="en-US" dirty="0"/>
+          </a:p>
+        </p:txBody>
+      </p:sp>
+      <p:sp>
+        <p:nvSpPr>
+          <p:cNvPr id="105" name="文本框 104">
+            <a:extLst>
+              <a:ext uri="{FF2B5EF4-FFF2-40B4-BE49-F238E27FC236}">
+                <a16:creationId xmlns:a16="http://schemas.microsoft.com/office/drawing/2014/main" id="{DFD0D3D4-D593-B129-5CEE-CC7B10BD9113}"/>
+              </a:ext>
+            </a:extLst>
+          </p:cNvPr>
+          <p:cNvSpPr txBox="1"/>
+          <p:nvPr/>
+        </p:nvSpPr>
+        <p:spPr>
+          <a:xfrm>
+            <a:off x="6983208" y="5472646"/>
+            <a:ext cx="461665" cy="466530"/>
+          </a:xfrm>
+          <a:prstGeom prst="rect">
+            <a:avLst/>
+          </a:prstGeom>
+          <a:noFill/>
+        </p:spPr>
+        <p:txBody>
+          <a:bodyPr vert="eaVert" wrap="square" rtlCol="0">
+            <a:spAutoFit/>
+          </a:bodyPr>
+          <a:lstStyle/>
+          <a:p>
+            <a:r>
+              <a:rPr lang="en-US" altLang="zh-CN" dirty="0"/>
+              <a:t>……</a:t>
+            </a:r>
+            <a:endParaRPr lang="zh-CN" altLang="en-US" dirty="0"/>
+          </a:p>
+        </p:txBody>
+      </p:sp>
+      <p:sp>
+        <p:nvSpPr>
+          <p:cNvPr id="106" name="文本框 105">
+            <a:extLst>
+              <a:ext uri="{FF2B5EF4-FFF2-40B4-BE49-F238E27FC236}">
+                <a16:creationId xmlns:a16="http://schemas.microsoft.com/office/drawing/2014/main" id="{B4E1B4A6-9B51-AD1A-C68C-CBFB3E8AC056}"/>
+              </a:ext>
+            </a:extLst>
+          </p:cNvPr>
+          <p:cNvSpPr txBox="1"/>
+          <p:nvPr/>
+        </p:nvSpPr>
+        <p:spPr>
+          <a:xfrm>
+            <a:off x="4265579" y="935897"/>
+            <a:ext cx="1614197" cy="369332"/>
+          </a:xfrm>
+          <a:prstGeom prst="rect">
+            <a:avLst/>
+          </a:prstGeom>
+          <a:noFill/>
+        </p:spPr>
+        <p:txBody>
+          <a:bodyPr wrap="square" rtlCol="0">
+            <a:spAutoFit/>
+          </a:bodyPr>
+          <a:lstStyle/>
+          <a:p>
+            <a:r>
+              <a:rPr lang="en-US" altLang="zh-CN" dirty="0">
+                <a:latin typeface="Times New Roman" panose="02020603050405020304" pitchFamily="18" charset="0"/>
+                <a:ea typeface="黑体" panose="02010609060101010101" pitchFamily="49" charset="-122"/>
+                <a:cs typeface="Times New Roman" panose="02020603050405020304" pitchFamily="18" charset="0"/>
+              </a:rPr>
+              <a:t>Hidden Layer</a:t>
+            </a:r>
+            <a:endParaRPr lang="zh-CN" altLang="en-US" dirty="0">
+              <a:latin typeface="Times New Roman" panose="02020603050405020304" pitchFamily="18" charset="0"/>
+              <a:ea typeface="黑体" panose="02010609060101010101" pitchFamily="49" charset="-122"/>
+              <a:cs typeface="Times New Roman" panose="02020603050405020304" pitchFamily="18" charset="0"/>
+            </a:endParaRPr>
+          </a:p>
+        </p:txBody>
+      </p:sp>
+      <p:sp>
+        <p:nvSpPr>
+          <p:cNvPr id="107" name="文本框 106">
+            <a:extLst>
+              <a:ext uri="{FF2B5EF4-FFF2-40B4-BE49-F238E27FC236}">
+                <a16:creationId xmlns:a16="http://schemas.microsoft.com/office/drawing/2014/main" id="{8686618D-D721-47D8-5685-3B4992226112}"/>
+              </a:ext>
+            </a:extLst>
+          </p:cNvPr>
+          <p:cNvSpPr txBox="1"/>
+          <p:nvPr/>
+        </p:nvSpPr>
+        <p:spPr>
+          <a:xfrm>
+            <a:off x="6637774" y="267855"/>
+            <a:ext cx="1614197" cy="369332"/>
+          </a:xfrm>
+          <a:prstGeom prst="rect">
+            <a:avLst/>
+          </a:prstGeom>
+          <a:noFill/>
+        </p:spPr>
+        <p:txBody>
+          <a:bodyPr wrap="square" rtlCol="0">
+            <a:spAutoFit/>
+          </a:bodyPr>
+          <a:lstStyle/>
+          <a:p>
+            <a:r>
+              <a:rPr lang="en-US" altLang="zh-CN" dirty="0">
+                <a:latin typeface="Times New Roman" panose="02020603050405020304" pitchFamily="18" charset="0"/>
+                <a:ea typeface="黑体" panose="02010609060101010101" pitchFamily="49" charset="-122"/>
+                <a:cs typeface="Times New Roman" panose="02020603050405020304" pitchFamily="18" charset="0"/>
+              </a:rPr>
+              <a:t>Output Layer</a:t>
+            </a:r>
+            <a:endParaRPr lang="zh-CN" altLang="en-US" dirty="0">
+              <a:latin typeface="Times New Roman" panose="02020603050405020304" pitchFamily="18" charset="0"/>
+              <a:ea typeface="黑体" panose="02010609060101010101" pitchFamily="49" charset="-122"/>
+              <a:cs typeface="Times New Roman" panose="02020603050405020304" pitchFamily="18" charset="0"/>
+            </a:endParaRPr>
+          </a:p>
+        </p:txBody>
+      </p:sp>
+      <p:pic>
+        <p:nvPicPr>
+          <p:cNvPr id="128" name="图片 127">
+            <a:extLst>
+              <a:ext uri="{FF2B5EF4-FFF2-40B4-BE49-F238E27FC236}">
+                <a16:creationId xmlns:a16="http://schemas.microsoft.com/office/drawing/2014/main" id="{82072E6F-EE5B-99CD-5208-1E23DA4E40D7}"/>
+              </a:ext>
+            </a:extLst>
+          </p:cNvPr>
+          <p:cNvPicPr>
+            <a:picLocks noChangeAspect="1"/>
+          </p:cNvPicPr>
+          <p:nvPr/>
+        </p:nvPicPr>
+        <p:blipFill>
+          <a:blip r:embed="rId2"/>
+          <a:stretch>
+            <a:fillRect/>
+          </a:stretch>
+        </p:blipFill>
+        <p:spPr>
+          <a:xfrm>
+            <a:off x="4948016" y="1853005"/>
+            <a:ext cx="200000" cy="247619"/>
+          </a:xfrm>
+          <a:prstGeom prst="rect">
+            <a:avLst/>
+          </a:prstGeom>
+        </p:spPr>
+      </p:pic>
+      <p:pic>
+        <p:nvPicPr>
+          <p:cNvPr id="129" name="图片 128">
+            <a:extLst>
+              <a:ext uri="{FF2B5EF4-FFF2-40B4-BE49-F238E27FC236}">
+                <a16:creationId xmlns:a16="http://schemas.microsoft.com/office/drawing/2014/main" id="{ED484EB0-EC14-EAE6-7DE8-844CED8183F9}"/>
+              </a:ext>
+            </a:extLst>
+          </p:cNvPr>
+          <p:cNvPicPr>
+            <a:picLocks noChangeAspect="1"/>
+          </p:cNvPicPr>
+          <p:nvPr/>
+        </p:nvPicPr>
+        <p:blipFill>
+          <a:blip r:embed="rId2"/>
+          <a:stretch>
+            <a:fillRect/>
+          </a:stretch>
+        </p:blipFill>
+        <p:spPr>
+          <a:xfrm>
+            <a:off x="4929854" y="3194418"/>
+            <a:ext cx="200000" cy="247619"/>
+          </a:xfrm>
+          <a:prstGeom prst="rect">
+            <a:avLst/>
+          </a:prstGeom>
+        </p:spPr>
+      </p:pic>
+      <p:pic>
+        <p:nvPicPr>
+          <p:cNvPr id="130" name="图片 129">
+            <a:extLst>
+              <a:ext uri="{FF2B5EF4-FFF2-40B4-BE49-F238E27FC236}">
+                <a16:creationId xmlns:a16="http://schemas.microsoft.com/office/drawing/2014/main" id="{7B630AF5-5C01-1392-0306-7C0413924DF7}"/>
+              </a:ext>
+            </a:extLst>
+          </p:cNvPr>
+          <p:cNvPicPr>
+            <a:picLocks noChangeAspect="1"/>
+          </p:cNvPicPr>
+          <p:nvPr/>
+        </p:nvPicPr>
+        <p:blipFill>
+          <a:blip r:embed="rId2"/>
+          <a:stretch>
+            <a:fillRect/>
+          </a:stretch>
+        </p:blipFill>
+        <p:spPr>
+          <a:xfrm>
+            <a:off x="4949416" y="4506418"/>
+            <a:ext cx="200000" cy="247619"/>
+          </a:xfrm>
+          <a:prstGeom prst="rect">
+            <a:avLst/>
+          </a:prstGeom>
+        </p:spPr>
+      </p:pic>
+      <p:pic>
+        <p:nvPicPr>
+          <p:cNvPr id="131" name="图片 130">
+            <a:extLst>
+              <a:ext uri="{FF2B5EF4-FFF2-40B4-BE49-F238E27FC236}">
+                <a16:creationId xmlns:a16="http://schemas.microsoft.com/office/drawing/2014/main" id="{2FD73CAB-3E38-2888-DBF9-E1E836777633}"/>
+              </a:ext>
+            </a:extLst>
+          </p:cNvPr>
+          <p:cNvPicPr>
+            <a:picLocks noChangeAspect="1"/>
+          </p:cNvPicPr>
+          <p:nvPr/>
+        </p:nvPicPr>
+        <p:blipFill>
+          <a:blip r:embed="rId2"/>
+          <a:stretch>
+            <a:fillRect/>
+          </a:stretch>
+        </p:blipFill>
+        <p:spPr>
+          <a:xfrm>
+            <a:off x="7175650" y="1171187"/>
+            <a:ext cx="200000" cy="247619"/>
+          </a:xfrm>
+          <a:prstGeom prst="rect">
+            <a:avLst/>
+          </a:prstGeom>
+        </p:spPr>
+      </p:pic>
+      <p:pic>
+        <p:nvPicPr>
+          <p:cNvPr id="133" name="图片 132">
+            <a:extLst>
+              <a:ext uri="{FF2B5EF4-FFF2-40B4-BE49-F238E27FC236}">
+                <a16:creationId xmlns:a16="http://schemas.microsoft.com/office/drawing/2014/main" id="{0C3B6694-3A0B-6D7C-4B2E-CBCAB13D9C84}"/>
+              </a:ext>
+            </a:extLst>
+          </p:cNvPr>
+          <p:cNvPicPr>
+            <a:picLocks noChangeAspect="1"/>
+          </p:cNvPicPr>
+          <p:nvPr/>
+        </p:nvPicPr>
+        <p:blipFill>
+          <a:blip r:embed="rId2"/>
+          <a:stretch>
+            <a:fillRect/>
+          </a:stretch>
+        </p:blipFill>
+        <p:spPr>
+          <a:xfrm>
+            <a:off x="7175650" y="2051657"/>
+            <a:ext cx="200000" cy="247619"/>
+          </a:xfrm>
+          <a:prstGeom prst="rect">
+            <a:avLst/>
+          </a:prstGeom>
+        </p:spPr>
+      </p:pic>
+      <p:pic>
+        <p:nvPicPr>
+          <p:cNvPr id="134" name="图片 133">
+            <a:extLst>
+              <a:ext uri="{FF2B5EF4-FFF2-40B4-BE49-F238E27FC236}">
+                <a16:creationId xmlns:a16="http://schemas.microsoft.com/office/drawing/2014/main" id="{A7EA85E5-66F4-6485-1956-1AE1F7440019}"/>
+              </a:ext>
+            </a:extLst>
+          </p:cNvPr>
+          <p:cNvPicPr>
+            <a:picLocks noChangeAspect="1"/>
+          </p:cNvPicPr>
+          <p:nvPr/>
+        </p:nvPicPr>
+        <p:blipFill>
+          <a:blip r:embed="rId2"/>
+          <a:stretch>
+            <a:fillRect/>
+          </a:stretch>
+        </p:blipFill>
+        <p:spPr>
+          <a:xfrm>
+            <a:off x="7172295" y="3023983"/>
+            <a:ext cx="200000" cy="247619"/>
+          </a:xfrm>
+          <a:prstGeom prst="rect">
+            <a:avLst/>
+          </a:prstGeom>
+        </p:spPr>
+      </p:pic>
+      <p:pic>
+        <p:nvPicPr>
+          <p:cNvPr id="135" name="图片 134">
+            <a:extLst>
+              <a:ext uri="{FF2B5EF4-FFF2-40B4-BE49-F238E27FC236}">
+                <a16:creationId xmlns:a16="http://schemas.microsoft.com/office/drawing/2014/main" id="{23442730-37FD-FC2C-1B34-2FF61F3B97D0}"/>
+              </a:ext>
+            </a:extLst>
+          </p:cNvPr>
+          <p:cNvPicPr>
+            <a:picLocks noChangeAspect="1"/>
+          </p:cNvPicPr>
+          <p:nvPr/>
+        </p:nvPicPr>
+        <p:blipFill>
+          <a:blip r:embed="rId2"/>
+          <a:stretch>
+            <a:fillRect/>
+          </a:stretch>
+        </p:blipFill>
+        <p:spPr>
+          <a:xfrm>
+            <a:off x="7172295" y="3955100"/>
+            <a:ext cx="200000" cy="247619"/>
+          </a:xfrm>
+          <a:prstGeom prst="rect">
+            <a:avLst/>
+          </a:prstGeom>
+        </p:spPr>
+      </p:pic>
+      <p:pic>
+        <p:nvPicPr>
+          <p:cNvPr id="136" name="图片 135">
+            <a:extLst>
+              <a:ext uri="{FF2B5EF4-FFF2-40B4-BE49-F238E27FC236}">
+                <a16:creationId xmlns:a16="http://schemas.microsoft.com/office/drawing/2014/main" id="{422D525A-3136-D199-F6B4-DD6FD8CC6F90}"/>
+              </a:ext>
+            </a:extLst>
+          </p:cNvPr>
+          <p:cNvPicPr>
+            <a:picLocks noChangeAspect="1"/>
+          </p:cNvPicPr>
+          <p:nvPr/>
+        </p:nvPicPr>
+        <p:blipFill>
+          <a:blip r:embed="rId2"/>
+          <a:stretch>
+            <a:fillRect/>
+          </a:stretch>
+        </p:blipFill>
+        <p:spPr>
+          <a:xfrm>
+            <a:off x="7172295" y="4899679"/>
+            <a:ext cx="200000" cy="247619"/>
+          </a:xfrm>
+          <a:prstGeom prst="rect">
+            <a:avLst/>
+          </a:prstGeom>
+        </p:spPr>
+      </p:pic>
+      <p:cxnSp>
+        <p:nvCxnSpPr>
+          <p:cNvPr id="137" name="直接箭头连接符 136">
+            <a:extLst>
+              <a:ext uri="{FF2B5EF4-FFF2-40B4-BE49-F238E27FC236}">
+                <a16:creationId xmlns:a16="http://schemas.microsoft.com/office/drawing/2014/main" id="{56867D5E-9A59-EE0E-BBAE-B5B8AE75C523}"/>
+              </a:ext>
+            </a:extLst>
+          </p:cNvPr>
+          <p:cNvCxnSpPr>
+            <a:cxnSpLocks/>
+          </p:cNvCxnSpPr>
+          <p:nvPr/>
+        </p:nvCxnSpPr>
+        <p:spPr>
+          <a:xfrm>
+            <a:off x="7858647" y="3164674"/>
+            <a:ext cx="713853" cy="0"/>
+          </a:xfrm>
+          <a:prstGeom prst="straightConnector1">
+            <a:avLst/>
+          </a:prstGeom>
+          <a:ln>
+            <a:tailEnd type="triangle"/>
+          </a:ln>
+        </p:spPr>
+        <p:style>
+          <a:lnRef idx="1">
+            <a:schemeClr val="accent1"/>
+          </a:lnRef>
+          <a:fillRef idx="0">
+            <a:schemeClr val="accent1"/>
+          </a:fillRef>
+          <a:effectRef idx="0">
+            <a:schemeClr val="accent1"/>
+          </a:effectRef>
+          <a:fontRef idx="minor">
+            <a:schemeClr val="tx1"/>
+          </a:fontRef>
+        </p:style>
+      </p:cxnSp>
+      <p:sp>
+        <p:nvSpPr>
+          <p:cNvPr id="140" name="矩形 139">
+            <a:extLst>
+              <a:ext uri="{FF2B5EF4-FFF2-40B4-BE49-F238E27FC236}">
+                <a16:creationId xmlns:a16="http://schemas.microsoft.com/office/drawing/2014/main" id="{4D6D9E3C-CEA3-49F6-D2B5-679DD0553E89}"/>
+              </a:ext>
+            </a:extLst>
+          </p:cNvPr>
+          <p:cNvSpPr/>
+          <p:nvPr/>
+        </p:nvSpPr>
+        <p:spPr>
+          <a:xfrm>
+            <a:off x="9035073" y="2210227"/>
+            <a:ext cx="233265" cy="233265"/>
+          </a:xfrm>
+          <a:prstGeom prst="rect">
+            <a:avLst/>
+          </a:prstGeom>
+          <a:solidFill>
+            <a:schemeClr val="bg1"/>
+          </a:solidFill>
+        </p:spPr>
+        <p:style>
+          <a:lnRef idx="2">
+            <a:schemeClr val="accent1">
+              <a:shade val="15000"/>
+            </a:schemeClr>
+          </a:lnRef>
+          <a:fillRef idx="1">
+            <a:schemeClr val="accent1"/>
+          </a:fillRef>
+          <a:effectRef idx="0">
+            <a:schemeClr val="accent1"/>
+          </a:effectRef>
+          <a:fontRef idx="minor">
+            <a:schemeClr val="lt1"/>
+          </a:fontRef>
+        </p:style>
+        <p:txBody>
+          <a:bodyPr rtlCol="0" anchor="ctr"/>
+          <a:lstStyle/>
+          <a:p>
+            <a:pPr algn="ctr"/>
+            <a:endParaRPr lang="zh-CN" altLang="en-US" dirty="0"/>
+          </a:p>
+        </p:txBody>
+      </p:sp>
+      <p:sp>
+        <p:nvSpPr>
+          <p:cNvPr id="141" name="矩形 140">
+            <a:extLst>
+              <a:ext uri="{FF2B5EF4-FFF2-40B4-BE49-F238E27FC236}">
+                <a16:creationId xmlns:a16="http://schemas.microsoft.com/office/drawing/2014/main" id="{80B0C604-9E01-6CD2-8453-0CEFBB0D0ECE}"/>
+              </a:ext>
+            </a:extLst>
+          </p:cNvPr>
+          <p:cNvSpPr/>
+          <p:nvPr/>
+        </p:nvSpPr>
+        <p:spPr>
+          <a:xfrm>
+            <a:off x="9035072" y="2443492"/>
+            <a:ext cx="233265" cy="233265"/>
+          </a:xfrm>
+          <a:prstGeom prst="rect">
+            <a:avLst/>
+          </a:prstGeom>
+          <a:solidFill>
+            <a:schemeClr val="bg1"/>
+          </a:solidFill>
+        </p:spPr>
+        <p:style>
+          <a:lnRef idx="2">
+            <a:schemeClr val="accent1">
+              <a:shade val="15000"/>
+            </a:schemeClr>
+          </a:lnRef>
+          <a:fillRef idx="1">
+            <a:schemeClr val="accent1"/>
+          </a:fillRef>
+          <a:effectRef idx="0">
+            <a:schemeClr val="accent1"/>
+          </a:effectRef>
+          <a:fontRef idx="minor">
+            <a:schemeClr val="lt1"/>
+          </a:fontRef>
+        </p:style>
+        <p:txBody>
+          <a:bodyPr rtlCol="0" anchor="ctr"/>
+          <a:lstStyle/>
+          <a:p>
+            <a:pPr algn="ctr"/>
+            <a:endParaRPr lang="zh-CN" altLang="en-US"/>
+          </a:p>
+        </p:txBody>
+      </p:sp>
+      <p:sp>
+        <p:nvSpPr>
+          <p:cNvPr id="142" name="矩形 141">
+            <a:extLst>
+              <a:ext uri="{FF2B5EF4-FFF2-40B4-BE49-F238E27FC236}">
+                <a16:creationId xmlns:a16="http://schemas.microsoft.com/office/drawing/2014/main" id="{78F7BC2D-7E58-479F-6053-4E61C244C03B}"/>
+              </a:ext>
+            </a:extLst>
+          </p:cNvPr>
+          <p:cNvSpPr/>
+          <p:nvPr/>
+        </p:nvSpPr>
+        <p:spPr>
+          <a:xfrm>
+            <a:off x="9035071" y="2676757"/>
+            <a:ext cx="233265" cy="233265"/>
+          </a:xfrm>
+          <a:prstGeom prst="rect">
+            <a:avLst/>
+          </a:prstGeom>
+          <a:solidFill>
+            <a:schemeClr val="bg1"/>
+          </a:solidFill>
+        </p:spPr>
+        <p:style>
+          <a:lnRef idx="2">
+            <a:schemeClr val="accent1">
+              <a:shade val="15000"/>
+            </a:schemeClr>
+          </a:lnRef>
+          <a:fillRef idx="1">
+            <a:schemeClr val="accent1"/>
+          </a:fillRef>
+          <a:effectRef idx="0">
+            <a:schemeClr val="accent1"/>
+          </a:effectRef>
+          <a:fontRef idx="minor">
+            <a:schemeClr val="lt1"/>
+          </a:fontRef>
+        </p:style>
+        <p:txBody>
+          <a:bodyPr rtlCol="0" anchor="ctr"/>
+          <a:lstStyle/>
+          <a:p>
+            <a:pPr algn="ctr"/>
+            <a:endParaRPr lang="zh-CN" altLang="en-US"/>
+          </a:p>
+        </p:txBody>
+      </p:sp>
+      <p:sp>
+        <p:nvSpPr>
+          <p:cNvPr id="143" name="矩形 142">
+            <a:extLst>
+              <a:ext uri="{FF2B5EF4-FFF2-40B4-BE49-F238E27FC236}">
+                <a16:creationId xmlns:a16="http://schemas.microsoft.com/office/drawing/2014/main" id="{3B62B5C4-2465-938F-ADA2-87FD61CFEB3A}"/>
+              </a:ext>
+            </a:extLst>
+          </p:cNvPr>
+          <p:cNvSpPr/>
+          <p:nvPr/>
+        </p:nvSpPr>
+        <p:spPr>
+          <a:xfrm>
+            <a:off x="9035071" y="2910022"/>
+            <a:ext cx="233265" cy="233265"/>
+          </a:xfrm>
+          <a:prstGeom prst="rect">
+            <a:avLst/>
+          </a:prstGeom>
+          <a:solidFill>
+            <a:schemeClr val="bg1"/>
+          </a:solidFill>
+        </p:spPr>
+        <p:style>
+          <a:lnRef idx="2">
+            <a:schemeClr val="accent1">
+              <a:shade val="15000"/>
+            </a:schemeClr>
+          </a:lnRef>
+          <a:fillRef idx="1">
+            <a:schemeClr val="accent1"/>
+          </a:fillRef>
+          <a:effectRef idx="0">
+            <a:schemeClr val="accent1"/>
+          </a:effectRef>
+          <a:fontRef idx="minor">
+            <a:schemeClr val="lt1"/>
+          </a:fontRef>
+        </p:style>
+        <p:txBody>
+          <a:bodyPr rtlCol="0" anchor="ctr"/>
+          <a:lstStyle/>
+          <a:p>
+            <a:pPr algn="ctr"/>
+            <a:endParaRPr lang="zh-CN" altLang="en-US"/>
+          </a:p>
+        </p:txBody>
+      </p:sp>
+      <p:sp>
+        <p:nvSpPr>
+          <p:cNvPr id="144" name="矩形 143">
+            <a:extLst>
+              <a:ext uri="{FF2B5EF4-FFF2-40B4-BE49-F238E27FC236}">
+                <a16:creationId xmlns:a16="http://schemas.microsoft.com/office/drawing/2014/main" id="{1653B7E5-3F72-3C25-B649-59423F42F7CD}"/>
+              </a:ext>
+            </a:extLst>
+          </p:cNvPr>
+          <p:cNvSpPr/>
+          <p:nvPr/>
+        </p:nvSpPr>
+        <p:spPr>
+          <a:xfrm>
+            <a:off x="9035070" y="3143287"/>
+            <a:ext cx="233265" cy="233265"/>
+          </a:xfrm>
+          <a:prstGeom prst="rect">
+            <a:avLst/>
+          </a:prstGeom>
+          <a:solidFill>
+            <a:schemeClr val="bg1"/>
+          </a:solidFill>
+        </p:spPr>
+        <p:style>
+          <a:lnRef idx="2">
+            <a:schemeClr val="accent1">
+              <a:shade val="15000"/>
+            </a:schemeClr>
+          </a:lnRef>
+          <a:fillRef idx="1">
+            <a:schemeClr val="accent1"/>
+          </a:fillRef>
+          <a:effectRef idx="0">
+            <a:schemeClr val="accent1"/>
+          </a:effectRef>
+          <a:fontRef idx="minor">
+            <a:schemeClr val="lt1"/>
+          </a:fontRef>
+        </p:style>
+        <p:txBody>
+          <a:bodyPr rtlCol="0" anchor="ctr"/>
+          <a:lstStyle/>
+          <a:p>
+            <a:pPr algn="ctr"/>
+            <a:endParaRPr lang="zh-CN" altLang="en-US"/>
+          </a:p>
+        </p:txBody>
+      </p:sp>
+      <p:sp>
+        <p:nvSpPr>
+          <p:cNvPr id="145" name="矩形 144">
+            <a:extLst>
+              <a:ext uri="{FF2B5EF4-FFF2-40B4-BE49-F238E27FC236}">
+                <a16:creationId xmlns:a16="http://schemas.microsoft.com/office/drawing/2014/main" id="{CF44E99F-D646-7363-F285-1D4AD26D2C3D}"/>
+              </a:ext>
+            </a:extLst>
+          </p:cNvPr>
+          <p:cNvSpPr/>
+          <p:nvPr/>
+        </p:nvSpPr>
+        <p:spPr>
+          <a:xfrm>
+            <a:off x="9035069" y="3376552"/>
+            <a:ext cx="233265" cy="233265"/>
+          </a:xfrm>
+          <a:prstGeom prst="rect">
+            <a:avLst/>
+          </a:prstGeom>
+          <a:solidFill>
+            <a:schemeClr val="bg1"/>
+          </a:solidFill>
+        </p:spPr>
+        <p:style>
+          <a:lnRef idx="2">
+            <a:schemeClr val="accent1">
+              <a:shade val="15000"/>
+            </a:schemeClr>
+          </a:lnRef>
+          <a:fillRef idx="1">
+            <a:schemeClr val="accent1"/>
+          </a:fillRef>
+          <a:effectRef idx="0">
+            <a:schemeClr val="accent1"/>
+          </a:effectRef>
+          <a:fontRef idx="minor">
+            <a:schemeClr val="lt1"/>
+          </a:fontRef>
+        </p:style>
+        <p:txBody>
+          <a:bodyPr rtlCol="0" anchor="ctr"/>
+          <a:lstStyle/>
+          <a:p>
+            <a:pPr algn="ctr"/>
+            <a:endParaRPr lang="zh-CN" altLang="en-US"/>
+          </a:p>
+        </p:txBody>
+      </p:sp>
+      <p:sp>
+        <p:nvSpPr>
+          <p:cNvPr id="146" name="矩形 145">
+            <a:extLst>
+              <a:ext uri="{FF2B5EF4-FFF2-40B4-BE49-F238E27FC236}">
+                <a16:creationId xmlns:a16="http://schemas.microsoft.com/office/drawing/2014/main" id="{170E52F2-0C0E-DC9A-3ACC-B3D5B32D539B}"/>
+              </a:ext>
+            </a:extLst>
+          </p:cNvPr>
+          <p:cNvSpPr/>
+          <p:nvPr/>
+        </p:nvSpPr>
+        <p:spPr>
+          <a:xfrm>
+            <a:off x="9035069" y="3609817"/>
+            <a:ext cx="233265" cy="233265"/>
+          </a:xfrm>
+          <a:prstGeom prst="rect">
+            <a:avLst/>
+          </a:prstGeom>
+          <a:solidFill>
+            <a:schemeClr val="bg1"/>
+          </a:solidFill>
+        </p:spPr>
+        <p:style>
+          <a:lnRef idx="2">
+            <a:schemeClr val="accent1">
+              <a:shade val="15000"/>
+            </a:schemeClr>
+          </a:lnRef>
+          <a:fillRef idx="1">
+            <a:schemeClr val="accent1"/>
+          </a:fillRef>
+          <a:effectRef idx="0">
+            <a:schemeClr val="accent1"/>
+          </a:effectRef>
+          <a:fontRef idx="minor">
+            <a:schemeClr val="lt1"/>
+          </a:fontRef>
+        </p:style>
+        <p:txBody>
+          <a:bodyPr rtlCol="0" anchor="ctr"/>
+          <a:lstStyle/>
+          <a:p>
+            <a:pPr algn="ctr"/>
+            <a:endParaRPr lang="zh-CN" altLang="en-US"/>
+          </a:p>
+        </p:txBody>
+      </p:sp>
+      <p:sp>
+        <p:nvSpPr>
+          <p:cNvPr id="147" name="矩形 146">
+            <a:extLst>
+              <a:ext uri="{FF2B5EF4-FFF2-40B4-BE49-F238E27FC236}">
+                <a16:creationId xmlns:a16="http://schemas.microsoft.com/office/drawing/2014/main" id="{83704D19-B819-B019-AF20-08D08E794E92}"/>
+              </a:ext>
+            </a:extLst>
+          </p:cNvPr>
+          <p:cNvSpPr/>
+          <p:nvPr/>
+        </p:nvSpPr>
+        <p:spPr>
+          <a:xfrm>
+            <a:off x="9035068" y="3843082"/>
+            <a:ext cx="233265" cy="233265"/>
+          </a:xfrm>
+          <a:prstGeom prst="rect">
+            <a:avLst/>
+          </a:prstGeom>
+          <a:solidFill>
+            <a:schemeClr val="bg1"/>
+          </a:solidFill>
+        </p:spPr>
+        <p:style>
+          <a:lnRef idx="2">
+            <a:schemeClr val="accent1">
+              <a:shade val="15000"/>
+            </a:schemeClr>
+          </a:lnRef>
+          <a:fillRef idx="1">
+            <a:schemeClr val="accent1"/>
+          </a:fillRef>
+          <a:effectRef idx="0">
+            <a:schemeClr val="accent1"/>
+          </a:effectRef>
+          <a:fontRef idx="minor">
+            <a:schemeClr val="lt1"/>
+          </a:fontRef>
+        </p:style>
+        <p:txBody>
+          <a:bodyPr rtlCol="0" anchor="ctr"/>
+          <a:lstStyle/>
+          <a:p>
+            <a:pPr algn="ctr"/>
+            <a:endParaRPr lang="zh-CN" altLang="en-US"/>
+          </a:p>
+        </p:txBody>
+      </p:sp>
+      <p:sp>
+        <p:nvSpPr>
+          <p:cNvPr id="148" name="矩形 147">
+            <a:extLst>
+              <a:ext uri="{FF2B5EF4-FFF2-40B4-BE49-F238E27FC236}">
+                <a16:creationId xmlns:a16="http://schemas.microsoft.com/office/drawing/2014/main" id="{0D0918CE-3D1E-D973-9409-F9959CF753AF}"/>
+              </a:ext>
+            </a:extLst>
+          </p:cNvPr>
+          <p:cNvSpPr/>
+          <p:nvPr/>
+        </p:nvSpPr>
+        <p:spPr>
+          <a:xfrm>
+            <a:off x="9035065" y="4496222"/>
+            <a:ext cx="233265" cy="233265"/>
+          </a:xfrm>
+          <a:prstGeom prst="rect">
+            <a:avLst/>
+          </a:prstGeom>
+          <a:solidFill>
+            <a:schemeClr val="bg1"/>
+          </a:solidFill>
+        </p:spPr>
+        <p:style>
+          <a:lnRef idx="2">
+            <a:schemeClr val="accent1">
+              <a:shade val="15000"/>
+            </a:schemeClr>
+          </a:lnRef>
+          <a:fillRef idx="1">
+            <a:schemeClr val="accent1"/>
+          </a:fillRef>
+          <a:effectRef idx="0">
+            <a:schemeClr val="accent1"/>
+          </a:effectRef>
+          <a:fontRef idx="minor">
+            <a:schemeClr val="lt1"/>
+          </a:fontRef>
+        </p:style>
+        <p:txBody>
+          <a:bodyPr rtlCol="0" anchor="ctr"/>
+          <a:lstStyle/>
+          <a:p>
+            <a:pPr algn="ctr"/>
+            <a:endParaRPr lang="zh-CN" altLang="en-US"/>
+          </a:p>
+        </p:txBody>
+      </p:sp>
+      <p:sp>
+        <p:nvSpPr>
+          <p:cNvPr id="149" name="文本框 148">
+            <a:extLst>
+              <a:ext uri="{FF2B5EF4-FFF2-40B4-BE49-F238E27FC236}">
+                <a16:creationId xmlns:a16="http://schemas.microsoft.com/office/drawing/2014/main" id="{FC059570-1E5D-F80C-37B1-26EF3E2EFB1C}"/>
+              </a:ext>
+            </a:extLst>
+          </p:cNvPr>
+          <p:cNvSpPr txBox="1"/>
+          <p:nvPr/>
+        </p:nvSpPr>
+        <p:spPr>
+          <a:xfrm>
+            <a:off x="9018735" y="2210227"/>
+            <a:ext cx="265923" cy="261610"/>
+          </a:xfrm>
+          <a:prstGeom prst="rect">
+            <a:avLst/>
+          </a:prstGeom>
+          <a:noFill/>
+        </p:spPr>
+        <p:txBody>
+          <a:bodyPr wrap="square" rtlCol="0">
+            <a:spAutoFit/>
+          </a:bodyPr>
+          <a:lstStyle/>
+          <a:p>
+            <a:r>
+              <a:rPr lang="en-US" altLang="zh-CN" sz="1100" dirty="0"/>
+              <a:t>0</a:t>
+            </a:r>
+            <a:endParaRPr lang="zh-CN" altLang="en-US" sz="1100" dirty="0"/>
+          </a:p>
+        </p:txBody>
+      </p:sp>
+      <p:sp>
+        <p:nvSpPr>
+          <p:cNvPr id="150" name="文本框 149">
+            <a:extLst>
+              <a:ext uri="{FF2B5EF4-FFF2-40B4-BE49-F238E27FC236}">
+                <a16:creationId xmlns:a16="http://schemas.microsoft.com/office/drawing/2014/main" id="{B73680B1-DE6C-2F49-50E4-469AF7432563}"/>
+              </a:ext>
+            </a:extLst>
+          </p:cNvPr>
+          <p:cNvSpPr txBox="1"/>
+          <p:nvPr/>
+        </p:nvSpPr>
+        <p:spPr>
+          <a:xfrm>
+            <a:off x="9023294" y="2447806"/>
+            <a:ext cx="265923" cy="261610"/>
+          </a:xfrm>
+          <a:prstGeom prst="rect">
+            <a:avLst/>
+          </a:prstGeom>
+          <a:noFill/>
+        </p:spPr>
+        <p:txBody>
+          <a:bodyPr wrap="square" rtlCol="0">
+            <a:spAutoFit/>
+          </a:bodyPr>
+          <a:lstStyle/>
+          <a:p>
+            <a:r>
+              <a:rPr lang="en-US" altLang="zh-CN" sz="1100" dirty="0"/>
+              <a:t>0</a:t>
+            </a:r>
+            <a:endParaRPr lang="zh-CN" altLang="en-US" sz="1100" dirty="0"/>
+          </a:p>
+        </p:txBody>
+      </p:sp>
+      <p:sp>
+        <p:nvSpPr>
+          <p:cNvPr id="151" name="文本框 150">
+            <a:extLst>
+              <a:ext uri="{FF2B5EF4-FFF2-40B4-BE49-F238E27FC236}">
+                <a16:creationId xmlns:a16="http://schemas.microsoft.com/office/drawing/2014/main" id="{3D2B9E6E-C46E-EA14-F63B-CCDD85C473CD}"/>
+              </a:ext>
+            </a:extLst>
+          </p:cNvPr>
+          <p:cNvSpPr txBox="1"/>
+          <p:nvPr/>
+        </p:nvSpPr>
+        <p:spPr>
+          <a:xfrm>
+            <a:off x="9023294" y="2671740"/>
+            <a:ext cx="265923" cy="261610"/>
+          </a:xfrm>
+          <a:prstGeom prst="rect">
+            <a:avLst/>
+          </a:prstGeom>
+          <a:noFill/>
+        </p:spPr>
+        <p:txBody>
+          <a:bodyPr wrap="square" rtlCol="0">
+            <a:spAutoFit/>
+          </a:bodyPr>
+          <a:lstStyle/>
+          <a:p>
+            <a:r>
+              <a:rPr lang="en-US" altLang="zh-CN" sz="1100" dirty="0"/>
+              <a:t>0</a:t>
+            </a:r>
+            <a:endParaRPr lang="zh-CN" altLang="en-US" sz="1100" dirty="0"/>
+          </a:p>
+        </p:txBody>
+      </p:sp>
+      <p:sp>
+        <p:nvSpPr>
+          <p:cNvPr id="152" name="文本框 151">
+            <a:extLst>
+              <a:ext uri="{FF2B5EF4-FFF2-40B4-BE49-F238E27FC236}">
+                <a16:creationId xmlns:a16="http://schemas.microsoft.com/office/drawing/2014/main" id="{159241F7-8BEE-83A2-17FA-8F52D9AF3191}"/>
+              </a:ext>
+            </a:extLst>
+          </p:cNvPr>
+          <p:cNvSpPr txBox="1"/>
+          <p:nvPr/>
+        </p:nvSpPr>
+        <p:spPr>
+          <a:xfrm>
+            <a:off x="9023294" y="2914336"/>
+            <a:ext cx="265923" cy="261610"/>
+          </a:xfrm>
+          <a:prstGeom prst="rect">
+            <a:avLst/>
+          </a:prstGeom>
+          <a:noFill/>
+        </p:spPr>
+        <p:txBody>
+          <a:bodyPr wrap="square" rtlCol="0">
+            <a:spAutoFit/>
+          </a:bodyPr>
+          <a:lstStyle/>
+          <a:p>
+            <a:r>
+              <a:rPr lang="en-US" altLang="zh-CN" sz="1100" dirty="0"/>
+              <a:t>0</a:t>
+            </a:r>
+            <a:endParaRPr lang="zh-CN" altLang="en-US" sz="1100" dirty="0"/>
+          </a:p>
+        </p:txBody>
+      </p:sp>
+      <p:sp>
+        <p:nvSpPr>
+          <p:cNvPr id="153" name="文本框 152">
+            <a:extLst>
+              <a:ext uri="{FF2B5EF4-FFF2-40B4-BE49-F238E27FC236}">
+                <a16:creationId xmlns:a16="http://schemas.microsoft.com/office/drawing/2014/main" id="{5F34F41B-5459-EEFB-C4F7-2627EB9CBF13}"/>
+              </a:ext>
+            </a:extLst>
+          </p:cNvPr>
+          <p:cNvSpPr txBox="1"/>
+          <p:nvPr/>
+        </p:nvSpPr>
+        <p:spPr>
+          <a:xfrm>
+            <a:off x="9027853" y="3151695"/>
+            <a:ext cx="265923" cy="261610"/>
+          </a:xfrm>
+          <a:prstGeom prst="rect">
+            <a:avLst/>
+          </a:prstGeom>
+          <a:noFill/>
+        </p:spPr>
+        <p:txBody>
+          <a:bodyPr wrap="square" rtlCol="0">
+            <a:spAutoFit/>
+          </a:bodyPr>
+          <a:lstStyle/>
+          <a:p>
+            <a:r>
+              <a:rPr lang="en-US" altLang="zh-CN" sz="1100" dirty="0"/>
+              <a:t>0</a:t>
+            </a:r>
+            <a:endParaRPr lang="zh-CN" altLang="en-US" sz="1100" dirty="0"/>
+          </a:p>
+        </p:txBody>
+      </p:sp>
+      <p:sp>
+        <p:nvSpPr>
+          <p:cNvPr id="154" name="文本框 153">
+            <a:extLst>
+              <a:ext uri="{FF2B5EF4-FFF2-40B4-BE49-F238E27FC236}">
+                <a16:creationId xmlns:a16="http://schemas.microsoft.com/office/drawing/2014/main" id="{99D05638-F546-C301-DDE3-893A67812743}"/>
+              </a:ext>
+            </a:extLst>
+          </p:cNvPr>
+          <p:cNvSpPr txBox="1"/>
+          <p:nvPr/>
+        </p:nvSpPr>
+        <p:spPr>
+          <a:xfrm>
+            <a:off x="9023294" y="3389581"/>
+            <a:ext cx="265923" cy="261610"/>
+          </a:xfrm>
+          <a:prstGeom prst="rect">
+            <a:avLst/>
+          </a:prstGeom>
+          <a:noFill/>
+        </p:spPr>
+        <p:txBody>
+          <a:bodyPr wrap="square" rtlCol="0">
+            <a:spAutoFit/>
+          </a:bodyPr>
+          <a:lstStyle/>
+          <a:p>
+            <a:r>
+              <a:rPr lang="en-US" altLang="zh-CN" sz="1100" dirty="0"/>
+              <a:t>0</a:t>
+            </a:r>
+            <a:endParaRPr lang="zh-CN" altLang="en-US" sz="1100" dirty="0"/>
+          </a:p>
+        </p:txBody>
+      </p:sp>
+      <p:sp>
+        <p:nvSpPr>
+          <p:cNvPr id="155" name="文本框 154">
+            <a:extLst>
+              <a:ext uri="{FF2B5EF4-FFF2-40B4-BE49-F238E27FC236}">
+                <a16:creationId xmlns:a16="http://schemas.microsoft.com/office/drawing/2014/main" id="{E20C877D-8814-B800-30CC-BB1F715304E9}"/>
+              </a:ext>
+            </a:extLst>
+          </p:cNvPr>
+          <p:cNvSpPr txBox="1"/>
+          <p:nvPr/>
+        </p:nvSpPr>
+        <p:spPr>
+          <a:xfrm>
+            <a:off x="9027853" y="3614043"/>
+            <a:ext cx="265923" cy="261610"/>
+          </a:xfrm>
+          <a:prstGeom prst="rect">
+            <a:avLst/>
+          </a:prstGeom>
+          <a:noFill/>
+        </p:spPr>
+        <p:txBody>
+          <a:bodyPr wrap="square" rtlCol="0">
+            <a:spAutoFit/>
+          </a:bodyPr>
+          <a:lstStyle/>
+          <a:p>
+            <a:r>
+              <a:rPr lang="en-US" altLang="zh-CN" sz="1100" dirty="0"/>
+              <a:t>0</a:t>
+            </a:r>
+            <a:endParaRPr lang="zh-CN" altLang="en-US" sz="1100" dirty="0"/>
+          </a:p>
+        </p:txBody>
+      </p:sp>
+      <p:sp>
+        <p:nvSpPr>
+          <p:cNvPr id="156" name="文本框 155">
+            <a:extLst>
+              <a:ext uri="{FF2B5EF4-FFF2-40B4-BE49-F238E27FC236}">
+                <a16:creationId xmlns:a16="http://schemas.microsoft.com/office/drawing/2014/main" id="{4C7CA435-D940-5455-0B8A-34D24842B93E}"/>
+              </a:ext>
+            </a:extLst>
+          </p:cNvPr>
+          <p:cNvSpPr txBox="1"/>
+          <p:nvPr/>
+        </p:nvSpPr>
+        <p:spPr>
+          <a:xfrm>
+            <a:off x="9023294" y="4481961"/>
+            <a:ext cx="265923" cy="261610"/>
+          </a:xfrm>
+          <a:prstGeom prst="rect">
+            <a:avLst/>
+          </a:prstGeom>
+          <a:noFill/>
+        </p:spPr>
+        <p:txBody>
+          <a:bodyPr wrap="square" rtlCol="0">
+            <a:spAutoFit/>
+          </a:bodyPr>
+          <a:lstStyle/>
+          <a:p>
+            <a:r>
+              <a:rPr lang="en-US" altLang="zh-CN" sz="1100" dirty="0"/>
+              <a:t>0</a:t>
+            </a:r>
+            <a:endParaRPr lang="zh-CN" altLang="en-US" sz="1100" dirty="0"/>
+          </a:p>
+        </p:txBody>
+      </p:sp>
+      <p:sp>
+        <p:nvSpPr>
+          <p:cNvPr id="157" name="文本框 156">
+            <a:extLst>
+              <a:ext uri="{FF2B5EF4-FFF2-40B4-BE49-F238E27FC236}">
+                <a16:creationId xmlns:a16="http://schemas.microsoft.com/office/drawing/2014/main" id="{18DB8555-16B6-C90E-7BAD-4BED9831CF7C}"/>
+              </a:ext>
+            </a:extLst>
+          </p:cNvPr>
+          <p:cNvSpPr txBox="1"/>
+          <p:nvPr/>
+        </p:nvSpPr>
+        <p:spPr>
+          <a:xfrm>
+            <a:off x="9027853" y="3833751"/>
+            <a:ext cx="265923" cy="261610"/>
+          </a:xfrm>
+          <a:prstGeom prst="rect">
+            <a:avLst/>
+          </a:prstGeom>
+          <a:noFill/>
+        </p:spPr>
+        <p:txBody>
+          <a:bodyPr wrap="square" rtlCol="0">
+            <a:spAutoFit/>
+          </a:bodyPr>
+          <a:lstStyle/>
+          <a:p>
+            <a:r>
+              <a:rPr lang="en-US" altLang="zh-CN" sz="1100" dirty="0"/>
+              <a:t>1</a:t>
+            </a:r>
+            <a:endParaRPr lang="zh-CN" altLang="en-US" sz="1100" dirty="0"/>
+          </a:p>
+        </p:txBody>
+      </p:sp>
+      <p:sp>
+        <p:nvSpPr>
+          <p:cNvPr id="158" name="文本框 157">
+            <a:extLst>
+              <a:ext uri="{FF2B5EF4-FFF2-40B4-BE49-F238E27FC236}">
+                <a16:creationId xmlns:a16="http://schemas.microsoft.com/office/drawing/2014/main" id="{CE8C6204-9116-34B5-DD61-B40DA4C1BDE2}"/>
+              </a:ext>
+            </a:extLst>
+          </p:cNvPr>
+          <p:cNvSpPr txBox="1"/>
+          <p:nvPr/>
+        </p:nvSpPr>
+        <p:spPr>
+          <a:xfrm>
+            <a:off x="8630241" y="1522044"/>
+            <a:ext cx="1308833" cy="369332"/>
+          </a:xfrm>
+          <a:prstGeom prst="rect">
+            <a:avLst/>
+          </a:prstGeom>
+          <a:noFill/>
+        </p:spPr>
+        <p:txBody>
+          <a:bodyPr wrap="square" rtlCol="0">
+            <a:spAutoFit/>
+          </a:bodyPr>
+          <a:lstStyle/>
+          <a:p>
+            <a:r>
+              <a:rPr lang="en-US" altLang="zh-CN" dirty="0">
+                <a:latin typeface="Times New Roman" panose="02020603050405020304" pitchFamily="18" charset="0"/>
+                <a:ea typeface="黑体" panose="02010609060101010101" pitchFamily="49" charset="-122"/>
+                <a:cs typeface="Times New Roman" panose="02020603050405020304" pitchFamily="18" charset="0"/>
+              </a:rPr>
+              <a:t>Probability</a:t>
+            </a:r>
+            <a:endParaRPr lang="zh-CN" altLang="en-US" dirty="0">
+              <a:latin typeface="Times New Roman" panose="02020603050405020304" pitchFamily="18" charset="0"/>
+              <a:ea typeface="黑体" panose="02010609060101010101" pitchFamily="49" charset="-122"/>
+              <a:cs typeface="Times New Roman" panose="02020603050405020304" pitchFamily="18" charset="0"/>
+            </a:endParaRPr>
+          </a:p>
+        </p:txBody>
+      </p:sp>
+    </p:spTree>
+    <p:extLst>
+      <p:ext uri="{BB962C8B-B14F-4D97-AF65-F5344CB8AC3E}">
+        <p14:creationId xmlns:p14="http://schemas.microsoft.com/office/powerpoint/2010/main" val="913833787"/>
       </p:ext>
     </p:extLst>
   </p:cSld>
